--- a/Week 1 Curriculum.pptx
+++ b/Week 1 Curriculum.pptx
@@ -5,10 +5,10 @@
     <p:sldMasterId id="2147483650" r:id="rId4"/>
   </p:sldMasterIdLst>
   <p:notesMasterIdLst>
-    <p:notesMasterId r:id="rId19"/>
+    <p:notesMasterId r:id="rId26"/>
   </p:notesMasterIdLst>
   <p:handoutMasterIdLst>
-    <p:handoutMasterId r:id="rId20"/>
+    <p:handoutMasterId r:id="rId27"/>
   </p:handoutMasterIdLst>
   <p:sldIdLst>
     <p:sldId id="312" r:id="rId5"/>
@@ -17,14 +17,21 @@
     <p:sldId id="324" r:id="rId8"/>
     <p:sldId id="321" r:id="rId9"/>
     <p:sldId id="318" r:id="rId10"/>
-    <p:sldId id="325" r:id="rId11"/>
-    <p:sldId id="328" r:id="rId12"/>
-    <p:sldId id="326" r:id="rId13"/>
+    <p:sldId id="328" r:id="rId11"/>
+    <p:sldId id="326" r:id="rId12"/>
+    <p:sldId id="333" r:id="rId13"/>
     <p:sldId id="327" r:id="rId14"/>
     <p:sldId id="322" r:id="rId15"/>
     <p:sldId id="329" r:id="rId16"/>
-    <p:sldId id="319" r:id="rId17"/>
-    <p:sldId id="330" r:id="rId18"/>
+    <p:sldId id="334" r:id="rId17"/>
+    <p:sldId id="332" r:id="rId18"/>
+    <p:sldId id="339" r:id="rId19"/>
+    <p:sldId id="335" r:id="rId20"/>
+    <p:sldId id="338" r:id="rId21"/>
+    <p:sldId id="337" r:id="rId22"/>
+    <p:sldId id="319" r:id="rId23"/>
+    <p:sldId id="331" r:id="rId24"/>
+    <p:sldId id="330" r:id="rId25"/>
   </p:sldIdLst>
   <p:sldSz cx="12192000" cy="6858000"/>
   <p:notesSz cx="13716000" cy="24384000"/>
@@ -234,7 +241,8 @@
 <file path=ppt/revisionInfo.xml><?xml version="1.0" encoding="utf-8"?>
 <p1510:revInfo xmlns:a="http://schemas.openxmlformats.org/drawingml/2006/main" xmlns:r="http://schemas.openxmlformats.org/officeDocument/2006/relationships" xmlns:p1510="http://schemas.microsoft.com/office/powerpoint/2015/10/main">
   <p1510:revLst>
-    <p1510:client id="{A8C0600A-1626-438A-934A-9A0A98D9A104}" v="157" dt="2025-07-15T03:11:51.645"/>
+    <p1510:client id="{3641A265-D741-4A95-8CF2-4BC6F6F9180A}" v="963" dt="2025-07-19T22:20:13.419"/>
+    <p1510:client id="{A8C0600A-1626-438A-934A-9A0A98D9A104}" v="1" dt="2025-07-19T23:44:25.730"/>
   </p1510:revLst>
 </p1510:revInfo>
 </file>
@@ -810,7 +818,7 @@
           <a:p>
             <a:r>
               <a:rPr lang="en-US" dirty="0"/>
-              <a:t>https://scratch.mit.edu/projects/1197095557</a:t>
+              <a:t>Ask if everyone has been able to make a new project. https://scratch.mit.edu/projects/1197095557</a:t>
             </a:r>
           </a:p>
         </p:txBody>
@@ -1035,6 +1043,118 @@
           <a:bodyPr/>
           <a:lstStyle/>
           <a:p>
+            <a:r>
+              <a:rPr lang="en-US" dirty="0"/>
+              <a:t>Screen share with project and ask them what the code does</a:t>
+            </a:r>
+          </a:p>
+        </p:txBody>
+      </p:sp>
+    </p:spTree>
+    <p:extLst>
+      <p:ext uri="{BB962C8B-B14F-4D97-AF65-F5344CB8AC3E}">
+        <p14:creationId xmlns:p14="http://schemas.microsoft.com/office/powerpoint/2010/main" val="413876996"/>
+      </p:ext>
+    </p:extLst>
+  </p:cSld>
+  <p:clrMapOvr>
+    <a:masterClrMapping/>
+  </p:clrMapOvr>
+</p:notes>
+</file>
+
+<file path=ppt/notesSlides/notesSlide14.xml><?xml version="1.0" encoding="utf-8"?>
+<p:notes xmlns:a="http://schemas.openxmlformats.org/drawingml/2006/main" xmlns:r="http://schemas.openxmlformats.org/officeDocument/2006/relationships" xmlns:p="http://schemas.openxmlformats.org/presentationml/2006/main">
+  <p:cSld>
+    <p:spTree>
+      <p:nvGrpSpPr>
+        <p:cNvPr id="1" name=""/>
+        <p:cNvGrpSpPr/>
+        <p:nvPr/>
+      </p:nvGrpSpPr>
+      <p:grpSpPr>
+        <a:xfrm>
+          <a:off x="0" y="0"/>
+          <a:ext cx="0" cy="0"/>
+          <a:chOff x="0" y="0"/>
+          <a:chExt cx="0" cy="0"/>
+        </a:xfrm>
+      </p:grpSpPr>
+      <p:sp>
+        <p:nvSpPr>
+          <p:cNvPr id="2" name="Slide Image Placeholder 1"/>
+          <p:cNvSpPr>
+            <a:spLocks noGrp="1" noRot="1" noChangeAspect="1"/>
+          </p:cNvSpPr>
+          <p:nvPr>
+            <p:ph type="sldImg"/>
+          </p:nvPr>
+        </p:nvSpPr>
+        <p:spPr>
+          <a:xfrm>
+            <a:off x="-457200" y="3048000"/>
+            <a:ext cx="14630400" cy="8229600"/>
+          </a:xfrm>
+          <a:prstGeom prst="rect">
+            <a:avLst/>
+          </a:prstGeom>
+          <a:noFill/>
+          <a:ln w="12700">
+            <a:solidFill>
+              <a:prstClr val="black"/>
+            </a:solidFill>
+          </a:ln>
+        </p:spPr>
+      </p:sp>
+      <p:sp>
+        <p:nvSpPr>
+          <p:cNvPr id="3" name="Notes Placeholder 2"/>
+          <p:cNvSpPr>
+            <a:spLocks noGrp="1"/>
+          </p:cNvSpPr>
+          <p:nvPr>
+            <p:ph type="body" idx="1"/>
+          </p:nvPr>
+        </p:nvSpPr>
+        <p:spPr>
+          <a:xfrm>
+            <a:off x="1371600" y="11734800"/>
+            <a:ext cx="10972800" cy="9601200"/>
+          </a:xfrm>
+          <a:prstGeom prst="rect">
+            <a:avLst/>
+          </a:prstGeom>
+        </p:spPr>
+        <p:txBody>
+          <a:bodyPr/>
+          <a:lstStyle/>
+          <a:p>
+            <a:pPr marL="0" marR="0" lvl="0" indent="0" algn="l" defTabSz="457200" rtl="0" eaLnBrk="1" fontAlgn="auto" latinLnBrk="0" hangingPunct="1">
+              <a:lnSpc>
+                <a:spcPct val="100000"/>
+              </a:lnSpc>
+              <a:spcBef>
+                <a:spcPts val="0"/>
+              </a:spcBef>
+              <a:spcAft>
+                <a:spcPts val="0"/>
+              </a:spcAft>
+              <a:buClrTx/>
+              <a:buSzTx/>
+              <a:buFontTx/>
+              <a:buNone/>
+              <a:tabLst/>
+              <a:defRPr/>
+            </a:pPr>
+            <a:r>
+              <a:rPr lang="en-US" dirty="0"/>
+              <a:t>Screen share the project, click “see inside” and explore a bit</a:t>
+            </a:r>
+          </a:p>
+          <a:p>
+            <a:endParaRPr lang="en-US" dirty="0"/>
+          </a:p>
+          <a:p>
             <a:endParaRPr lang="en-US"/>
           </a:p>
         </p:txBody>
@@ -1052,7 +1172,136 @@
 </p:notes>
 </file>
 
-<file path=ppt/notesSlides/notesSlide14.xml><?xml version="1.0" encoding="utf-8"?>
+<file path=ppt/notesSlides/notesSlide15.xml><?xml version="1.0" encoding="utf-8"?>
+<p:notes xmlns:a="http://schemas.openxmlformats.org/drawingml/2006/main" xmlns:r="http://schemas.openxmlformats.org/officeDocument/2006/relationships" xmlns:p="http://schemas.openxmlformats.org/presentationml/2006/main">
+  <p:cSld>
+    <p:spTree>
+      <p:nvGrpSpPr>
+        <p:cNvPr id="1" name=""/>
+        <p:cNvGrpSpPr/>
+        <p:nvPr/>
+      </p:nvGrpSpPr>
+      <p:grpSpPr>
+        <a:xfrm>
+          <a:off x="0" y="0"/>
+          <a:ext cx="0" cy="0"/>
+          <a:chOff x="0" y="0"/>
+          <a:chExt cx="0" cy="0"/>
+        </a:xfrm>
+      </p:grpSpPr>
+      <p:sp>
+        <p:nvSpPr>
+          <p:cNvPr id="2" name="Slide Image Placeholder 1"/>
+          <p:cNvSpPr>
+            <a:spLocks noGrp="1" noRot="1" noChangeAspect="1"/>
+          </p:cNvSpPr>
+          <p:nvPr>
+            <p:ph type="sldImg"/>
+          </p:nvPr>
+        </p:nvSpPr>
+        <p:spPr>
+          <a:xfrm>
+            <a:off x="-457200" y="3048000"/>
+            <a:ext cx="14630400" cy="8229600"/>
+          </a:xfrm>
+          <a:prstGeom prst="rect">
+            <a:avLst/>
+          </a:prstGeom>
+          <a:noFill/>
+          <a:ln w="12700">
+            <a:solidFill>
+              <a:prstClr val="black"/>
+            </a:solidFill>
+          </a:ln>
+        </p:spPr>
+      </p:sp>
+      <p:sp>
+        <p:nvSpPr>
+          <p:cNvPr id="3" name="Notes Placeholder 2"/>
+          <p:cNvSpPr>
+            <a:spLocks noGrp="1"/>
+          </p:cNvSpPr>
+          <p:nvPr>
+            <p:ph type="body" idx="1"/>
+          </p:nvPr>
+        </p:nvSpPr>
+        <p:spPr>
+          <a:xfrm>
+            <a:off x="1371600" y="11734800"/>
+            <a:ext cx="10972800" cy="9601200"/>
+          </a:xfrm>
+          <a:prstGeom prst="rect">
+            <a:avLst/>
+          </a:prstGeom>
+        </p:spPr>
+        <p:txBody>
+          <a:bodyPr/>
+          <a:lstStyle/>
+          <a:p>
+            <a:pPr marL="0" marR="0" lvl="0" indent="0" algn="l" defTabSz="457200" rtl="0" eaLnBrk="1" fontAlgn="auto" latinLnBrk="0" hangingPunct="1">
+              <a:lnSpc>
+                <a:spcPct val="100000"/>
+              </a:lnSpc>
+              <a:spcBef>
+                <a:spcPts val="0"/>
+              </a:spcBef>
+              <a:spcAft>
+                <a:spcPts val="0"/>
+              </a:spcAft>
+              <a:buClrTx/>
+              <a:buSzTx/>
+              <a:buFontTx/>
+              <a:buNone/>
+              <a:tabLst/>
+              <a:defRPr/>
+            </a:pPr>
+            <a:r>
+              <a:rPr lang="en-US" dirty="0"/>
+              <a:t>Screen share the project, click “see inside” and explore a bit</a:t>
+            </a:r>
+          </a:p>
+          <a:p>
+            <a:pPr marL="0" marR="0" lvl="0" indent="0" algn="l" defTabSz="457200" rtl="0" eaLnBrk="1" fontAlgn="auto" latinLnBrk="0" hangingPunct="1">
+              <a:lnSpc>
+                <a:spcPct val="100000"/>
+              </a:lnSpc>
+              <a:spcBef>
+                <a:spcPts val="0"/>
+              </a:spcBef>
+              <a:spcAft>
+                <a:spcPts val="0"/>
+              </a:spcAft>
+              <a:buClrTx/>
+              <a:buSzTx/>
+              <a:buFontTx/>
+              <a:buNone/>
+              <a:tabLst/>
+              <a:defRPr/>
+            </a:pPr>
+            <a:r>
+              <a:rPr lang="en-US" dirty="0"/>
+              <a:t>Ask the questions about the code and then change it with the kids to see what happens</a:t>
+            </a:r>
+          </a:p>
+          <a:p>
+            <a:endParaRPr lang="en-US" dirty="0"/>
+          </a:p>
+        </p:txBody>
+      </p:sp>
+    </p:spTree>
+    <p:extLst>
+      <p:ext uri="{BB962C8B-B14F-4D97-AF65-F5344CB8AC3E}">
+        <p14:creationId xmlns:p14="http://schemas.microsoft.com/office/powerpoint/2010/main" val="4146064296"/>
+      </p:ext>
+    </p:extLst>
+  </p:cSld>
+  <p:clrMapOvr>
+    <a:masterClrMapping/>
+  </p:clrMapOvr>
+</p:notes>
+</file>
+
+<file path=ppt/notesSlides/notesSlide16.xml><?xml version="1.0" encoding="utf-8"?>
 <p:notes xmlns:a="http://schemas.openxmlformats.org/drawingml/2006/main" xmlns:r="http://schemas.openxmlformats.org/officeDocument/2006/relationships" xmlns:p="http://schemas.openxmlformats.org/presentationml/2006/main">
   <p:cSld>
     <p:spTree>
@@ -1547,8 +1796,15 @@
           <a:p>
             <a:r>
               <a:rPr lang="en-US" dirty="0"/>
-              <a:t>EMAIL ADDRESSES?? </a:t>
+              <a:t>Remind students to only use their own email addresses if they have them open on their laptop (or </a:t>
             </a:r>
+            <a:r>
+              <a:rPr lang="en-US"/>
+              <a:t>can open them). </a:t>
+            </a:r>
+          </a:p>
+          <a:p>
+            <a:endParaRPr lang="en-US" dirty="0"/>
           </a:p>
         </p:txBody>
       </p:sp>
@@ -1649,95 +1905,6 @@
 </file>
 
 <file path=ppt/notesSlides/notesSlide7.xml><?xml version="1.0" encoding="utf-8"?>
-<p:notes xmlns:a="http://schemas.openxmlformats.org/drawingml/2006/main" xmlns:r="http://schemas.openxmlformats.org/officeDocument/2006/relationships" xmlns:p="http://schemas.openxmlformats.org/presentationml/2006/main">
-  <p:cSld>
-    <p:spTree>
-      <p:nvGrpSpPr>
-        <p:cNvPr id="1" name=""/>
-        <p:cNvGrpSpPr/>
-        <p:nvPr/>
-      </p:nvGrpSpPr>
-      <p:grpSpPr>
-        <a:xfrm>
-          <a:off x="0" y="0"/>
-          <a:ext cx="0" cy="0"/>
-          <a:chOff x="0" y="0"/>
-          <a:chExt cx="0" cy="0"/>
-        </a:xfrm>
-      </p:grpSpPr>
-      <p:sp>
-        <p:nvSpPr>
-          <p:cNvPr id="2" name="Slide Image Placeholder 1"/>
-          <p:cNvSpPr>
-            <a:spLocks noGrp="1" noRot="1" noChangeAspect="1"/>
-          </p:cNvSpPr>
-          <p:nvPr>
-            <p:ph type="sldImg"/>
-          </p:nvPr>
-        </p:nvSpPr>
-        <p:spPr>
-          <a:xfrm>
-            <a:off x="-457200" y="3048000"/>
-            <a:ext cx="14630400" cy="8229600"/>
-          </a:xfrm>
-          <a:prstGeom prst="rect">
-            <a:avLst/>
-          </a:prstGeom>
-          <a:noFill/>
-          <a:ln w="12700">
-            <a:solidFill>
-              <a:prstClr val="black"/>
-            </a:solidFill>
-          </a:ln>
-        </p:spPr>
-      </p:sp>
-      <p:sp>
-        <p:nvSpPr>
-          <p:cNvPr id="3" name="Notes Placeholder 2"/>
-          <p:cNvSpPr>
-            <a:spLocks noGrp="1"/>
-          </p:cNvSpPr>
-          <p:nvPr>
-            <p:ph type="body" idx="1"/>
-          </p:nvPr>
-        </p:nvSpPr>
-        <p:spPr>
-          <a:xfrm>
-            <a:off x="1371600" y="11734800"/>
-            <a:ext cx="10972800" cy="9601200"/>
-          </a:xfrm>
-          <a:prstGeom prst="rect">
-            <a:avLst/>
-          </a:prstGeom>
-        </p:spPr>
-        <p:txBody>
-          <a:bodyPr/>
-          <a:lstStyle/>
-          <a:p>
-            <a:r>
-              <a:rPr lang="en-US" dirty="0"/>
-              <a:t>Create a Week 1 scratch project </a:t>
-            </a:r>
-          </a:p>
-          <a:p>
-            <a:endParaRPr lang="en-US" dirty="0"/>
-          </a:p>
-        </p:txBody>
-      </p:sp>
-    </p:spTree>
-    <p:extLst>
-      <p:ext uri="{BB962C8B-B14F-4D97-AF65-F5344CB8AC3E}">
-        <p14:creationId xmlns:p14="http://schemas.microsoft.com/office/powerpoint/2010/main" val="516739051"/>
-      </p:ext>
-    </p:extLst>
-  </p:cSld>
-  <p:clrMapOvr>
-    <a:masterClrMapping/>
-  </p:clrMapOvr>
-</p:notes>
-</file>
-
-<file path=ppt/notesSlides/notesSlide8.xml><?xml version="1.0" encoding="utf-8"?>
 <p:notes xmlns:a="http://schemas.openxmlformats.org/drawingml/2006/main" xmlns:r="http://schemas.openxmlformats.org/officeDocument/2006/relationships" xmlns:p="http://schemas.openxmlformats.org/presentationml/2006/main">
   <p:cSld>
     <p:spTree>
@@ -1841,8 +2008,20 @@
           <a:p>
             <a:r>
               <a:rPr lang="en-US" dirty="0"/>
+              <a:t>Screen share with a sample project and show what some things do</a:t>
+            </a:r>
+          </a:p>
+          <a:p>
+            <a:endParaRPr lang="en-US" dirty="0"/>
+          </a:p>
+          <a:p>
+            <a:r>
+              <a:rPr lang="en-US" dirty="0"/>
               <a:t>Go over simple basic commands, they can explore the rest later </a:t>
             </a:r>
+          </a:p>
+          <a:p>
+            <a:endParaRPr lang="en-US" dirty="0"/>
           </a:p>
         </p:txBody>
       </p:sp>
@@ -1859,7 +2038,7 @@
 </p:notes>
 </file>
 
-<file path=ppt/notesSlides/notesSlide9.xml><?xml version="1.0" encoding="utf-8"?>
+<file path=ppt/notesSlides/notesSlide8.xml><?xml version="1.0" encoding="utf-8"?>
 <p:notes xmlns:a="http://schemas.openxmlformats.org/drawingml/2006/main" xmlns:r="http://schemas.openxmlformats.org/officeDocument/2006/relationships" xmlns:p="http://schemas.openxmlformats.org/presentationml/2006/main">
   <p:cSld>
     <p:spTree>
@@ -1963,6 +2142,119 @@
     <p:extLst>
       <p:ext uri="{BB962C8B-B14F-4D97-AF65-F5344CB8AC3E}">
         <p14:creationId xmlns:p14="http://schemas.microsoft.com/office/powerpoint/2010/main" val="1379039367"/>
+      </p:ext>
+    </p:extLst>
+  </p:cSld>
+  <p:clrMapOvr>
+    <a:masterClrMapping/>
+  </p:clrMapOvr>
+</p:notes>
+</file>
+
+<file path=ppt/notesSlides/notesSlide9.xml><?xml version="1.0" encoding="utf-8"?>
+<p:notes xmlns:a="http://schemas.openxmlformats.org/drawingml/2006/main" xmlns:r="http://schemas.openxmlformats.org/officeDocument/2006/relationships" xmlns:p="http://schemas.openxmlformats.org/presentationml/2006/main">
+  <p:cSld>
+    <p:spTree>
+      <p:nvGrpSpPr>
+        <p:cNvPr id="1" name="">
+          <a:extLst>
+            <a:ext uri="{FF2B5EF4-FFF2-40B4-BE49-F238E27FC236}">
+              <a16:creationId xmlns:a16="http://schemas.microsoft.com/office/drawing/2014/main" id="{37C2C918-4649-82F2-5B31-115440567297}"/>
+            </a:ext>
+          </a:extLst>
+        </p:cNvPr>
+        <p:cNvGrpSpPr/>
+        <p:nvPr/>
+      </p:nvGrpSpPr>
+      <p:grpSpPr>
+        <a:xfrm>
+          <a:off x="0" y="0"/>
+          <a:ext cx="0" cy="0"/>
+          <a:chOff x="0" y="0"/>
+          <a:chExt cx="0" cy="0"/>
+        </a:xfrm>
+      </p:grpSpPr>
+      <p:sp>
+        <p:nvSpPr>
+          <p:cNvPr id="2" name="Slide Image Placeholder 1">
+            <a:extLst>
+              <a:ext uri="{FF2B5EF4-FFF2-40B4-BE49-F238E27FC236}">
+                <a16:creationId xmlns:a16="http://schemas.microsoft.com/office/drawing/2014/main" id="{0A6ECA9C-B791-B5B8-3C17-11907862269C}"/>
+              </a:ext>
+            </a:extLst>
+          </p:cNvPr>
+          <p:cNvSpPr>
+            <a:spLocks noGrp="1" noRot="1" noChangeAspect="1"/>
+          </p:cNvSpPr>
+          <p:nvPr>
+            <p:ph type="sldImg"/>
+          </p:nvPr>
+        </p:nvSpPr>
+        <p:spPr>
+          <a:xfrm>
+            <a:off x="-457200" y="3048000"/>
+            <a:ext cx="14630400" cy="8229600"/>
+          </a:xfrm>
+          <a:prstGeom prst="rect">
+            <a:avLst/>
+          </a:prstGeom>
+          <a:noFill/>
+          <a:ln w="12700">
+            <a:solidFill>
+              <a:prstClr val="black"/>
+            </a:solidFill>
+          </a:ln>
+        </p:spPr>
+      </p:sp>
+      <p:sp>
+        <p:nvSpPr>
+          <p:cNvPr id="3" name="Notes Placeholder 2">
+            <a:extLst>
+              <a:ext uri="{FF2B5EF4-FFF2-40B4-BE49-F238E27FC236}">
+                <a16:creationId xmlns:a16="http://schemas.microsoft.com/office/drawing/2014/main" id="{907A6C3D-DA8C-74C7-50E1-AC4B01B2736B}"/>
+              </a:ext>
+            </a:extLst>
+          </p:cNvPr>
+          <p:cNvSpPr>
+            <a:spLocks noGrp="1"/>
+          </p:cNvSpPr>
+          <p:nvPr>
+            <p:ph type="body" idx="1"/>
+          </p:nvPr>
+        </p:nvSpPr>
+        <p:spPr>
+          <a:xfrm>
+            <a:off x="1371600" y="11734800"/>
+            <a:ext cx="10972800" cy="9601200"/>
+          </a:xfrm>
+          <a:prstGeom prst="rect">
+            <a:avLst/>
+          </a:prstGeom>
+        </p:spPr>
+        <p:txBody>
+          <a:bodyPr/>
+          <a:lstStyle/>
+          <a:p>
+            <a:r>
+              <a:rPr lang="en-US" dirty="0"/>
+              <a:t>Show demo, and show that you can also choose an existing sprite </a:t>
+            </a:r>
+          </a:p>
+          <a:p>
+            <a:endParaRPr lang="en-US" dirty="0"/>
+          </a:p>
+          <a:p>
+            <a:r>
+              <a:rPr lang="en-US" dirty="0"/>
+              <a:t>Also show that each sprite has its own set of commands </a:t>
+            </a:r>
+          </a:p>
+        </p:txBody>
+      </p:sp>
+    </p:spTree>
+    <p:extLst>
+      <p:ext uri="{BB962C8B-B14F-4D97-AF65-F5344CB8AC3E}">
+        <p14:creationId xmlns:p14="http://schemas.microsoft.com/office/powerpoint/2010/main" val="60456151"/>
       </p:ext>
     </p:extLst>
   </p:cSld>
@@ -18465,12 +18757,14 @@
         </p:nvSpPr>
         <p:spPr/>
         <p:txBody>
-          <a:bodyPr/>
+          <a:bodyPr>
+            <a:normAutofit fontScale="92500" lnSpcReduction="10000"/>
+          </a:bodyPr>
           <a:lstStyle/>
           <a:p>
             <a:r>
-              <a:rPr lang="en-US" dirty="0"/>
-              <a:t>Create an animation for your own name! </a:t>
+              <a:rPr lang="en-US" b="1" dirty="0"/>
+              <a:t>Make a new project. </a:t>
             </a:r>
           </a:p>
           <a:p>
@@ -18486,7 +18780,51 @@
             </a:r>
           </a:p>
           <a:p>
-            <a:endParaRPr lang="en-US" dirty="0"/>
+            <a:r>
+              <a:rPr lang="en-US" dirty="0"/>
+              <a:t>You can make them all move around when the green flag is clicked OR make them do things when you click them.</a:t>
+            </a:r>
+          </a:p>
+          <a:p>
+            <a:r>
+              <a:rPr lang="en-US" dirty="0"/>
+              <a:t>Ideas for animations:</a:t>
+            </a:r>
+          </a:p>
+          <a:p>
+            <a:pPr lvl="1"/>
+            <a:r>
+              <a:rPr lang="en-US" dirty="0"/>
+              <a:t>Spinning around!</a:t>
+            </a:r>
+          </a:p>
+          <a:p>
+            <a:pPr lvl="1"/>
+            <a:r>
+              <a:rPr lang="en-US" dirty="0"/>
+              <a:t>Going up and down!</a:t>
+            </a:r>
+          </a:p>
+          <a:p>
+            <a:pPr lvl="1"/>
+            <a:r>
+              <a:rPr lang="en-US" dirty="0"/>
+              <a:t>Changing color!</a:t>
+            </a:r>
+          </a:p>
+          <a:p>
+            <a:pPr lvl="1"/>
+            <a:r>
+              <a:rPr lang="en-US" dirty="0"/>
+              <a:t>Increasing and decreasing size!</a:t>
+            </a:r>
+          </a:p>
+          <a:p>
+            <a:pPr lvl="1"/>
+            <a:r>
+              <a:rPr lang="en-US" dirty="0"/>
+              <a:t>Changing backdrop!</a:t>
+            </a:r>
           </a:p>
         </p:txBody>
       </p:sp>
@@ -18554,6 +18892,208 @@
           </a:p>
         </p:txBody>
       </p:sp>
+      <p:sp>
+        <p:nvSpPr>
+          <p:cNvPr id="3" name="Content Placeholder 5">
+            <a:extLst>
+              <a:ext uri="{FF2B5EF4-FFF2-40B4-BE49-F238E27FC236}">
+                <a16:creationId xmlns:a16="http://schemas.microsoft.com/office/drawing/2014/main" id="{F270D243-D330-933E-863F-B322AC202791}"/>
+              </a:ext>
+            </a:extLst>
+          </p:cNvPr>
+          <p:cNvSpPr txBox="1">
+            <a:spLocks/>
+          </p:cNvSpPr>
+          <p:nvPr/>
+        </p:nvSpPr>
+        <p:spPr>
+          <a:xfrm>
+            <a:off x="840186" y="3097334"/>
+            <a:ext cx="10511627" cy="3948557"/>
+          </a:xfrm>
+          <a:prstGeom prst="rect">
+            <a:avLst/>
+          </a:prstGeom>
+        </p:spPr>
+        <p:txBody>
+          <a:bodyPr>
+            <a:normAutofit/>
+          </a:bodyPr>
+          <a:lstStyle>
+            <a:lvl1pPr marL="347472" indent="-347472" algn="l" defTabSz="914400" rtl="0" eaLnBrk="1" latinLnBrk="0" hangingPunct="1">
+              <a:lnSpc>
+                <a:spcPct val="100000"/>
+              </a:lnSpc>
+              <a:spcBef>
+                <a:spcPts val="360"/>
+              </a:spcBef>
+              <a:buFont typeface="Arial" panose="020B0604020202020204" pitchFamily="34" charset="0"/>
+              <a:buChar char="•"/>
+              <a:defRPr sz="2800" kern="1200">
+                <a:solidFill>
+                  <a:schemeClr val="accent6"/>
+                </a:solidFill>
+                <a:latin typeface="+mn-lt"/>
+                <a:ea typeface="+mn-ea"/>
+                <a:cs typeface="+mn-cs"/>
+              </a:defRPr>
+            </a:lvl1pPr>
+            <a:lvl2pPr marL="685800" indent="-347472" algn="l" defTabSz="914400" rtl="0" eaLnBrk="1" latinLnBrk="0" hangingPunct="1">
+              <a:lnSpc>
+                <a:spcPct val="100000"/>
+              </a:lnSpc>
+              <a:spcBef>
+                <a:spcPts val="360"/>
+              </a:spcBef>
+              <a:buFont typeface="Arial" panose="020B0604020202020204" pitchFamily="34" charset="0"/>
+              <a:buChar char="•"/>
+              <a:defRPr sz="2400" kern="1200">
+                <a:solidFill>
+                  <a:schemeClr val="accent6"/>
+                </a:solidFill>
+                <a:latin typeface="+mn-lt"/>
+                <a:ea typeface="+mn-ea"/>
+                <a:cs typeface="+mn-cs"/>
+              </a:defRPr>
+            </a:lvl2pPr>
+            <a:lvl3pPr marL="1143000" indent="-347472" algn="l" defTabSz="914400" rtl="0" eaLnBrk="1" latinLnBrk="0" hangingPunct="1">
+              <a:lnSpc>
+                <a:spcPct val="100000"/>
+              </a:lnSpc>
+              <a:spcBef>
+                <a:spcPts val="360"/>
+              </a:spcBef>
+              <a:buFont typeface="Arial" panose="020B0604020202020204" pitchFamily="34" charset="0"/>
+              <a:buChar char="•"/>
+              <a:defRPr sz="2000" kern="1200">
+                <a:solidFill>
+                  <a:schemeClr val="accent6"/>
+                </a:solidFill>
+                <a:latin typeface="+mn-lt"/>
+                <a:ea typeface="+mn-ea"/>
+                <a:cs typeface="+mn-cs"/>
+              </a:defRPr>
+            </a:lvl3pPr>
+            <a:lvl4pPr marL="1600200" indent="-347472" algn="l" defTabSz="914400" rtl="0" eaLnBrk="1" latinLnBrk="0" hangingPunct="1">
+              <a:lnSpc>
+                <a:spcPct val="100000"/>
+              </a:lnSpc>
+              <a:spcBef>
+                <a:spcPts val="360"/>
+              </a:spcBef>
+              <a:buFont typeface="Arial" panose="020B0604020202020204" pitchFamily="34" charset="0"/>
+              <a:buChar char="•"/>
+              <a:defRPr sz="1800" kern="1200">
+                <a:solidFill>
+                  <a:schemeClr val="accent6"/>
+                </a:solidFill>
+                <a:latin typeface="+mn-lt"/>
+                <a:ea typeface="+mn-ea"/>
+                <a:cs typeface="+mn-cs"/>
+              </a:defRPr>
+            </a:lvl4pPr>
+            <a:lvl5pPr marL="2057400" indent="-347472" algn="l" defTabSz="914400" rtl="0" eaLnBrk="1" latinLnBrk="0" hangingPunct="1">
+              <a:lnSpc>
+                <a:spcPct val="100000"/>
+              </a:lnSpc>
+              <a:spcBef>
+                <a:spcPts val="360"/>
+              </a:spcBef>
+              <a:buFont typeface="Arial" panose="020B0604020202020204" pitchFamily="34" charset="0"/>
+              <a:buChar char="•"/>
+              <a:defRPr sz="1800" kern="1200">
+                <a:solidFill>
+                  <a:schemeClr val="accent6"/>
+                </a:solidFill>
+                <a:latin typeface="+mn-lt"/>
+                <a:ea typeface="+mn-ea"/>
+                <a:cs typeface="+mn-cs"/>
+              </a:defRPr>
+            </a:lvl5pPr>
+            <a:lvl6pPr marL="2514600" indent="-228600" algn="l" defTabSz="914400" rtl="0" eaLnBrk="1" latinLnBrk="0" hangingPunct="1">
+              <a:lnSpc>
+                <a:spcPct val="90000"/>
+              </a:lnSpc>
+              <a:spcBef>
+                <a:spcPts val="500"/>
+              </a:spcBef>
+              <a:buFont typeface="Arial" panose="020B0604020202020204" pitchFamily="34" charset="0"/>
+              <a:buChar char="•"/>
+              <a:defRPr sz="1800" kern="1200">
+                <a:solidFill>
+                  <a:schemeClr val="tx1"/>
+                </a:solidFill>
+                <a:latin typeface="+mn-lt"/>
+                <a:ea typeface="+mn-ea"/>
+                <a:cs typeface="+mn-cs"/>
+              </a:defRPr>
+            </a:lvl6pPr>
+            <a:lvl7pPr marL="2971800" indent="-228600" algn="l" defTabSz="914400" rtl="0" eaLnBrk="1" latinLnBrk="0" hangingPunct="1">
+              <a:lnSpc>
+                <a:spcPct val="90000"/>
+              </a:lnSpc>
+              <a:spcBef>
+                <a:spcPts val="500"/>
+              </a:spcBef>
+              <a:buFont typeface="Arial" panose="020B0604020202020204" pitchFamily="34" charset="0"/>
+              <a:buChar char="•"/>
+              <a:defRPr sz="1800" kern="1200">
+                <a:solidFill>
+                  <a:schemeClr val="tx1"/>
+                </a:solidFill>
+                <a:latin typeface="+mn-lt"/>
+                <a:ea typeface="+mn-ea"/>
+                <a:cs typeface="+mn-cs"/>
+              </a:defRPr>
+            </a:lvl7pPr>
+            <a:lvl8pPr marL="3429000" indent="-228600" algn="l" defTabSz="914400" rtl="0" eaLnBrk="1" latinLnBrk="0" hangingPunct="1">
+              <a:lnSpc>
+                <a:spcPct val="90000"/>
+              </a:lnSpc>
+              <a:spcBef>
+                <a:spcPts val="500"/>
+              </a:spcBef>
+              <a:buFont typeface="Arial" panose="020B0604020202020204" pitchFamily="34" charset="0"/>
+              <a:buChar char="•"/>
+              <a:defRPr sz="1800" kern="1200">
+                <a:solidFill>
+                  <a:schemeClr val="tx1"/>
+                </a:solidFill>
+                <a:latin typeface="+mn-lt"/>
+                <a:ea typeface="+mn-ea"/>
+                <a:cs typeface="+mn-cs"/>
+              </a:defRPr>
+            </a:lvl8pPr>
+            <a:lvl9pPr marL="3886200" indent="-228600" algn="l" defTabSz="914400" rtl="0" eaLnBrk="1" latinLnBrk="0" hangingPunct="1">
+              <a:lnSpc>
+                <a:spcPct val="90000"/>
+              </a:lnSpc>
+              <a:spcBef>
+                <a:spcPts val="500"/>
+              </a:spcBef>
+              <a:buFont typeface="Arial" panose="020B0604020202020204" pitchFamily="34" charset="0"/>
+              <a:buChar char="•"/>
+              <a:defRPr sz="1800" kern="1200">
+                <a:solidFill>
+                  <a:schemeClr val="tx1"/>
+                </a:solidFill>
+                <a:latin typeface="+mn-lt"/>
+                <a:ea typeface="+mn-ea"/>
+                <a:cs typeface="+mn-cs"/>
+              </a:defRPr>
+            </a:lvl9pPr>
+          </a:lstStyle>
+          <a:p>
+            <a:pPr marL="0" indent="0" algn="ctr">
+              <a:buNone/>
+            </a:pPr>
+            <a:r>
+              <a:rPr lang="en-US" dirty="0"/>
+              <a:t>20 minutes</a:t>
+            </a:r>
+          </a:p>
+        </p:txBody>
+      </p:sp>
     </p:spTree>
     <p:extLst>
       <p:ext uri="{BB962C8B-B14F-4D97-AF65-F5344CB8AC3E}">
@@ -18568,6 +19108,2566 @@
 </file>
 
 <file path=ppt/slides/slide13.xml><?xml version="1.0" encoding="utf-8"?>
+<p:sld xmlns:a="http://schemas.openxmlformats.org/drawingml/2006/main" xmlns:r="http://schemas.openxmlformats.org/officeDocument/2006/relationships" xmlns:p="http://schemas.openxmlformats.org/presentationml/2006/main">
+  <p:cSld>
+    <p:spTree>
+      <p:nvGrpSpPr>
+        <p:cNvPr id="1" name=""/>
+        <p:cNvGrpSpPr/>
+        <p:nvPr/>
+      </p:nvGrpSpPr>
+      <p:grpSpPr>
+        <a:xfrm>
+          <a:off x="0" y="0"/>
+          <a:ext cx="0" cy="0"/>
+          <a:chOff x="0" y="0"/>
+          <a:chExt cx="0" cy="0"/>
+        </a:xfrm>
+      </p:grpSpPr>
+      <p:sp>
+        <p:nvSpPr>
+          <p:cNvPr id="2" name="Title 1">
+            <a:extLst>
+              <a:ext uri="{FF2B5EF4-FFF2-40B4-BE49-F238E27FC236}">
+                <a16:creationId xmlns:a16="http://schemas.microsoft.com/office/drawing/2014/main" id="{83F1A068-FADA-F1EB-C8C9-041A6058ABEE}"/>
+              </a:ext>
+            </a:extLst>
+          </p:cNvPr>
+          <p:cNvSpPr>
+            <a:spLocks noGrp="1"/>
+          </p:cNvSpPr>
+          <p:nvPr>
+            <p:ph type="title"/>
+          </p:nvPr>
+        </p:nvSpPr>
+        <p:spPr/>
+        <p:txBody>
+          <a:bodyPr/>
+          <a:lstStyle/>
+          <a:p>
+            <a:r>
+              <a:rPr lang="en-US" dirty="0"/>
+              <a:t>CREATE A MAZE!</a:t>
+            </a:r>
+          </a:p>
+        </p:txBody>
+      </p:sp>
+      <p:sp>
+        <p:nvSpPr>
+          <p:cNvPr id="3" name="Text Placeholder 2">
+            <a:extLst>
+              <a:ext uri="{FF2B5EF4-FFF2-40B4-BE49-F238E27FC236}">
+                <a16:creationId xmlns:a16="http://schemas.microsoft.com/office/drawing/2014/main" id="{C6123DC5-44DE-6BB3-70C8-10888562F87E}"/>
+              </a:ext>
+            </a:extLst>
+          </p:cNvPr>
+          <p:cNvSpPr>
+            <a:spLocks noGrp="1"/>
+          </p:cNvSpPr>
+          <p:nvPr>
+            <p:ph type="body" sz="quarter" idx="13"/>
+          </p:nvPr>
+        </p:nvSpPr>
+        <p:spPr>
+          <a:xfrm>
+            <a:off x="1550563" y="2331958"/>
+            <a:ext cx="7054817" cy="3704266"/>
+          </a:xfrm>
+        </p:spPr>
+        <p:txBody>
+          <a:bodyPr/>
+          <a:lstStyle/>
+          <a:p>
+            <a:r>
+              <a:rPr lang="en-US" sz="2400" dirty="0">
+                <a:hlinkClick r:id="rId3"/>
+              </a:rPr>
+              <a:t>Maze Starter on Scratch</a:t>
+            </a:r>
+            <a:endParaRPr lang="en-US" sz="2400" dirty="0"/>
+          </a:p>
+          <a:p>
+            <a:r>
+              <a:rPr lang="en-US" sz="2400" dirty="0"/>
+              <a:t>Let’s look at the code inside this project.</a:t>
+            </a:r>
+          </a:p>
+          <a:p>
+            <a:r>
+              <a:rPr lang="en-US" sz="2400"/>
+              <a:t>Let’s make our own </a:t>
+            </a:r>
+            <a:r>
+              <a:rPr lang="en-US" sz="2400" dirty="0"/>
+              <a:t>maze!</a:t>
+            </a:r>
+          </a:p>
+        </p:txBody>
+      </p:sp>
+      <p:sp>
+        <p:nvSpPr>
+          <p:cNvPr id="5" name="Slide Number Placeholder 4">
+            <a:extLst>
+              <a:ext uri="{FF2B5EF4-FFF2-40B4-BE49-F238E27FC236}">
+                <a16:creationId xmlns:a16="http://schemas.microsoft.com/office/drawing/2014/main" id="{35BBFD51-3042-5438-05AF-C666684B5E5C}"/>
+              </a:ext>
+            </a:extLst>
+          </p:cNvPr>
+          <p:cNvSpPr>
+            <a:spLocks noGrp="1"/>
+          </p:cNvSpPr>
+          <p:nvPr>
+            <p:ph type="sldNum" sz="quarter" idx="10"/>
+          </p:nvPr>
+        </p:nvSpPr>
+        <p:spPr/>
+        <p:txBody>
+          <a:bodyPr/>
+          <a:lstStyle/>
+          <a:p>
+            <a:fld id="{48F63A3B-78C7-47BE-AE5E-E10140E04643}" type="slidenum">
+              <a:rPr lang="en-US" smtClean="0"/>
+              <a:pPr/>
+              <a:t>13</a:t>
+            </a:fld>
+            <a:endParaRPr lang="en-US"/>
+          </a:p>
+        </p:txBody>
+      </p:sp>
+    </p:spTree>
+    <p:extLst>
+      <p:ext uri="{BB962C8B-B14F-4D97-AF65-F5344CB8AC3E}">
+        <p14:creationId xmlns:p14="http://schemas.microsoft.com/office/powerpoint/2010/main" val="3500830174"/>
+      </p:ext>
+    </p:extLst>
+  </p:cSld>
+  <p:clrMapOvr>
+    <a:masterClrMapping/>
+  </p:clrMapOvr>
+</p:sld>
+</file>
+
+<file path=ppt/slides/slide14.xml><?xml version="1.0" encoding="utf-8"?>
+<p:sld xmlns:a="http://schemas.openxmlformats.org/drawingml/2006/main" xmlns:r="http://schemas.openxmlformats.org/officeDocument/2006/relationships" xmlns:p="http://schemas.openxmlformats.org/presentationml/2006/main">
+  <p:cSld>
+    <p:spTree>
+      <p:nvGrpSpPr>
+        <p:cNvPr id="1" name=""/>
+        <p:cNvGrpSpPr/>
+        <p:nvPr/>
+      </p:nvGrpSpPr>
+      <p:grpSpPr>
+        <a:xfrm>
+          <a:off x="0" y="0"/>
+          <a:ext cx="0" cy="0"/>
+          <a:chOff x="0" y="0"/>
+          <a:chExt cx="0" cy="0"/>
+        </a:xfrm>
+      </p:grpSpPr>
+      <p:sp>
+        <p:nvSpPr>
+          <p:cNvPr id="2" name="Title 1">
+            <a:extLst>
+              <a:ext uri="{FF2B5EF4-FFF2-40B4-BE49-F238E27FC236}">
+                <a16:creationId xmlns:a16="http://schemas.microsoft.com/office/drawing/2014/main" id="{5481D6D0-876C-20C4-6BF6-0F41B6D4F177}"/>
+              </a:ext>
+            </a:extLst>
+          </p:cNvPr>
+          <p:cNvSpPr>
+            <a:spLocks noGrp="1"/>
+          </p:cNvSpPr>
+          <p:nvPr>
+            <p:ph type="title"/>
+          </p:nvPr>
+        </p:nvSpPr>
+        <p:spPr/>
+        <p:txBody>
+          <a:bodyPr/>
+          <a:lstStyle/>
+          <a:p>
+            <a:r>
+              <a:rPr lang="en-US" dirty="0"/>
+              <a:t>REBUS PUZZLES!</a:t>
+            </a:r>
+          </a:p>
+        </p:txBody>
+      </p:sp>
+      <p:sp>
+        <p:nvSpPr>
+          <p:cNvPr id="3" name="Slide Number Placeholder 2">
+            <a:extLst>
+              <a:ext uri="{FF2B5EF4-FFF2-40B4-BE49-F238E27FC236}">
+                <a16:creationId xmlns:a16="http://schemas.microsoft.com/office/drawing/2014/main" id="{67B72F3A-0BBD-B190-8814-2461F0CFE0AA}"/>
+              </a:ext>
+            </a:extLst>
+          </p:cNvPr>
+          <p:cNvSpPr>
+            <a:spLocks noGrp="1"/>
+          </p:cNvSpPr>
+          <p:nvPr>
+            <p:ph type="sldNum" sz="quarter" idx="12"/>
+          </p:nvPr>
+        </p:nvSpPr>
+        <p:spPr/>
+        <p:txBody>
+          <a:bodyPr/>
+          <a:lstStyle/>
+          <a:p>
+            <a:fld id="{48F63A3B-78C7-47BE-AE5E-E10140E04643}" type="slidenum">
+              <a:rPr lang="en-US" smtClean="0"/>
+              <a:pPr/>
+              <a:t>14</a:t>
+            </a:fld>
+            <a:endParaRPr lang="en-US"/>
+          </a:p>
+        </p:txBody>
+      </p:sp>
+      <p:sp>
+        <p:nvSpPr>
+          <p:cNvPr id="4" name="Content Placeholder 5">
+            <a:extLst>
+              <a:ext uri="{FF2B5EF4-FFF2-40B4-BE49-F238E27FC236}">
+                <a16:creationId xmlns:a16="http://schemas.microsoft.com/office/drawing/2014/main" id="{36762486-BDEC-B48D-3E21-220C3CEE4209}"/>
+              </a:ext>
+            </a:extLst>
+          </p:cNvPr>
+          <p:cNvSpPr txBox="1">
+            <a:spLocks/>
+          </p:cNvSpPr>
+          <p:nvPr/>
+        </p:nvSpPr>
+        <p:spPr>
+          <a:xfrm>
+            <a:off x="914400" y="2316067"/>
+            <a:ext cx="10511627" cy="3948557"/>
+          </a:xfrm>
+          <a:prstGeom prst="rect">
+            <a:avLst/>
+          </a:prstGeom>
+        </p:spPr>
+        <p:txBody>
+          <a:bodyPr>
+            <a:normAutofit/>
+          </a:bodyPr>
+          <a:lstStyle>
+            <a:lvl1pPr marL="347472" indent="-347472" algn="l" defTabSz="914400" rtl="0" eaLnBrk="1" latinLnBrk="0" hangingPunct="1">
+              <a:lnSpc>
+                <a:spcPct val="100000"/>
+              </a:lnSpc>
+              <a:spcBef>
+                <a:spcPts val="360"/>
+              </a:spcBef>
+              <a:buFont typeface="Arial" panose="020B0604020202020204" pitchFamily="34" charset="0"/>
+              <a:buChar char="•"/>
+              <a:defRPr sz="2800" kern="1200">
+                <a:solidFill>
+                  <a:schemeClr val="accent6"/>
+                </a:solidFill>
+                <a:latin typeface="+mn-lt"/>
+                <a:ea typeface="+mn-ea"/>
+                <a:cs typeface="+mn-cs"/>
+              </a:defRPr>
+            </a:lvl1pPr>
+            <a:lvl2pPr marL="685800" indent="-347472" algn="l" defTabSz="914400" rtl="0" eaLnBrk="1" latinLnBrk="0" hangingPunct="1">
+              <a:lnSpc>
+                <a:spcPct val="100000"/>
+              </a:lnSpc>
+              <a:spcBef>
+                <a:spcPts val="360"/>
+              </a:spcBef>
+              <a:buFont typeface="Arial" panose="020B0604020202020204" pitchFamily="34" charset="0"/>
+              <a:buChar char="•"/>
+              <a:defRPr sz="2400" kern="1200">
+                <a:solidFill>
+                  <a:schemeClr val="accent6"/>
+                </a:solidFill>
+                <a:latin typeface="+mn-lt"/>
+                <a:ea typeface="+mn-ea"/>
+                <a:cs typeface="+mn-cs"/>
+              </a:defRPr>
+            </a:lvl2pPr>
+            <a:lvl3pPr marL="1143000" indent="-347472" algn="l" defTabSz="914400" rtl="0" eaLnBrk="1" latinLnBrk="0" hangingPunct="1">
+              <a:lnSpc>
+                <a:spcPct val="100000"/>
+              </a:lnSpc>
+              <a:spcBef>
+                <a:spcPts val="360"/>
+              </a:spcBef>
+              <a:buFont typeface="Arial" panose="020B0604020202020204" pitchFamily="34" charset="0"/>
+              <a:buChar char="•"/>
+              <a:defRPr sz="2000" kern="1200">
+                <a:solidFill>
+                  <a:schemeClr val="accent6"/>
+                </a:solidFill>
+                <a:latin typeface="+mn-lt"/>
+                <a:ea typeface="+mn-ea"/>
+                <a:cs typeface="+mn-cs"/>
+              </a:defRPr>
+            </a:lvl3pPr>
+            <a:lvl4pPr marL="1600200" indent="-347472" algn="l" defTabSz="914400" rtl="0" eaLnBrk="1" latinLnBrk="0" hangingPunct="1">
+              <a:lnSpc>
+                <a:spcPct val="100000"/>
+              </a:lnSpc>
+              <a:spcBef>
+                <a:spcPts val="360"/>
+              </a:spcBef>
+              <a:buFont typeface="Arial" panose="020B0604020202020204" pitchFamily="34" charset="0"/>
+              <a:buChar char="•"/>
+              <a:defRPr sz="1800" kern="1200">
+                <a:solidFill>
+                  <a:schemeClr val="accent6"/>
+                </a:solidFill>
+                <a:latin typeface="+mn-lt"/>
+                <a:ea typeface="+mn-ea"/>
+                <a:cs typeface="+mn-cs"/>
+              </a:defRPr>
+            </a:lvl4pPr>
+            <a:lvl5pPr marL="2057400" indent="-347472" algn="l" defTabSz="914400" rtl="0" eaLnBrk="1" latinLnBrk="0" hangingPunct="1">
+              <a:lnSpc>
+                <a:spcPct val="100000"/>
+              </a:lnSpc>
+              <a:spcBef>
+                <a:spcPts val="360"/>
+              </a:spcBef>
+              <a:buFont typeface="Arial" panose="020B0604020202020204" pitchFamily="34" charset="0"/>
+              <a:buChar char="•"/>
+              <a:defRPr sz="1800" kern="1200">
+                <a:solidFill>
+                  <a:schemeClr val="accent6"/>
+                </a:solidFill>
+                <a:latin typeface="+mn-lt"/>
+                <a:ea typeface="+mn-ea"/>
+                <a:cs typeface="+mn-cs"/>
+              </a:defRPr>
+            </a:lvl5pPr>
+            <a:lvl6pPr marL="2514600" indent="-228600" algn="l" defTabSz="914400" rtl="0" eaLnBrk="1" latinLnBrk="0" hangingPunct="1">
+              <a:lnSpc>
+                <a:spcPct val="90000"/>
+              </a:lnSpc>
+              <a:spcBef>
+                <a:spcPts val="500"/>
+              </a:spcBef>
+              <a:buFont typeface="Arial" panose="020B0604020202020204" pitchFamily="34" charset="0"/>
+              <a:buChar char="•"/>
+              <a:defRPr sz="1800" kern="1200">
+                <a:solidFill>
+                  <a:schemeClr val="tx1"/>
+                </a:solidFill>
+                <a:latin typeface="+mn-lt"/>
+                <a:ea typeface="+mn-ea"/>
+                <a:cs typeface="+mn-cs"/>
+              </a:defRPr>
+            </a:lvl6pPr>
+            <a:lvl7pPr marL="2971800" indent="-228600" algn="l" defTabSz="914400" rtl="0" eaLnBrk="1" latinLnBrk="0" hangingPunct="1">
+              <a:lnSpc>
+                <a:spcPct val="90000"/>
+              </a:lnSpc>
+              <a:spcBef>
+                <a:spcPts val="500"/>
+              </a:spcBef>
+              <a:buFont typeface="Arial" panose="020B0604020202020204" pitchFamily="34" charset="0"/>
+              <a:buChar char="•"/>
+              <a:defRPr sz="1800" kern="1200">
+                <a:solidFill>
+                  <a:schemeClr val="tx1"/>
+                </a:solidFill>
+                <a:latin typeface="+mn-lt"/>
+                <a:ea typeface="+mn-ea"/>
+                <a:cs typeface="+mn-cs"/>
+              </a:defRPr>
+            </a:lvl7pPr>
+            <a:lvl8pPr marL="3429000" indent="-228600" algn="l" defTabSz="914400" rtl="0" eaLnBrk="1" latinLnBrk="0" hangingPunct="1">
+              <a:lnSpc>
+                <a:spcPct val="90000"/>
+              </a:lnSpc>
+              <a:spcBef>
+                <a:spcPts val="500"/>
+              </a:spcBef>
+              <a:buFont typeface="Arial" panose="020B0604020202020204" pitchFamily="34" charset="0"/>
+              <a:buChar char="•"/>
+              <a:defRPr sz="1800" kern="1200">
+                <a:solidFill>
+                  <a:schemeClr val="tx1"/>
+                </a:solidFill>
+                <a:latin typeface="+mn-lt"/>
+                <a:ea typeface="+mn-ea"/>
+                <a:cs typeface="+mn-cs"/>
+              </a:defRPr>
+            </a:lvl8pPr>
+            <a:lvl9pPr marL="3886200" indent="-228600" algn="l" defTabSz="914400" rtl="0" eaLnBrk="1" latinLnBrk="0" hangingPunct="1">
+              <a:lnSpc>
+                <a:spcPct val="90000"/>
+              </a:lnSpc>
+              <a:spcBef>
+                <a:spcPts val="500"/>
+              </a:spcBef>
+              <a:buFont typeface="Arial" panose="020B0604020202020204" pitchFamily="34" charset="0"/>
+              <a:buChar char="•"/>
+              <a:defRPr sz="1800" kern="1200">
+                <a:solidFill>
+                  <a:schemeClr val="tx1"/>
+                </a:solidFill>
+                <a:latin typeface="+mn-lt"/>
+                <a:ea typeface="+mn-ea"/>
+                <a:cs typeface="+mn-cs"/>
+              </a:defRPr>
+            </a:lvl9pPr>
+          </a:lstStyle>
+          <a:p>
+            <a:pPr marL="0" indent="0">
+              <a:buNone/>
+            </a:pPr>
+            <a:r>
+              <a:rPr lang="en-US" dirty="0"/>
+              <a:t>A rebus puzzle is a </a:t>
+            </a:r>
+            <a:r>
+              <a:rPr lang="en-US" b="1" dirty="0"/>
+              <a:t>puzzle with both pictures and letters </a:t>
+            </a:r>
+            <a:r>
+              <a:rPr lang="en-US" dirty="0"/>
+              <a:t>that means a word or phrase. </a:t>
+            </a:r>
+          </a:p>
+          <a:p>
+            <a:pPr marL="0" indent="0">
+              <a:buNone/>
+            </a:pPr>
+            <a:r>
+              <a:rPr lang="en-US" dirty="0"/>
+              <a:t>Here is an example:</a:t>
+            </a:r>
+          </a:p>
+        </p:txBody>
+      </p:sp>
+      <p:pic>
+        <p:nvPicPr>
+          <p:cNvPr id="6" name="Picture 5">
+            <a:extLst>
+              <a:ext uri="{FF2B5EF4-FFF2-40B4-BE49-F238E27FC236}">
+                <a16:creationId xmlns:a16="http://schemas.microsoft.com/office/drawing/2014/main" id="{16B87353-4DAC-87B8-A02B-9BE07ED76E15}"/>
+              </a:ext>
+            </a:extLst>
+          </p:cNvPr>
+          <p:cNvPicPr>
+            <a:picLocks noChangeAspect="1"/>
+          </p:cNvPicPr>
+          <p:nvPr/>
+        </p:nvPicPr>
+        <p:blipFill>
+          <a:blip r:embed="rId2"/>
+          <a:stretch>
+            <a:fillRect/>
+          </a:stretch>
+        </p:blipFill>
+        <p:spPr>
+          <a:xfrm>
+            <a:off x="1665405" y="3847986"/>
+            <a:ext cx="2656074" cy="2278494"/>
+          </a:xfrm>
+          <a:prstGeom prst="rect">
+            <a:avLst/>
+          </a:prstGeom>
+        </p:spPr>
+      </p:pic>
+      <p:sp>
+        <p:nvSpPr>
+          <p:cNvPr id="7" name="Content Placeholder 5">
+            <a:extLst>
+              <a:ext uri="{FF2B5EF4-FFF2-40B4-BE49-F238E27FC236}">
+                <a16:creationId xmlns:a16="http://schemas.microsoft.com/office/drawing/2014/main" id="{101A3977-C992-5484-FDC5-A1B2D73E3BCC}"/>
+              </a:ext>
+            </a:extLst>
+          </p:cNvPr>
+          <p:cNvSpPr txBox="1">
+            <a:spLocks/>
+          </p:cNvSpPr>
+          <p:nvPr/>
+        </p:nvSpPr>
+        <p:spPr>
+          <a:xfrm>
+            <a:off x="4847572" y="4290345"/>
+            <a:ext cx="10511627" cy="3948557"/>
+          </a:xfrm>
+          <a:prstGeom prst="rect">
+            <a:avLst/>
+          </a:prstGeom>
+        </p:spPr>
+        <p:txBody>
+          <a:bodyPr>
+            <a:normAutofit/>
+          </a:bodyPr>
+          <a:lstStyle>
+            <a:lvl1pPr marL="347472" indent="-347472" algn="l" defTabSz="914400" rtl="0" eaLnBrk="1" latinLnBrk="0" hangingPunct="1">
+              <a:lnSpc>
+                <a:spcPct val="100000"/>
+              </a:lnSpc>
+              <a:spcBef>
+                <a:spcPts val="360"/>
+              </a:spcBef>
+              <a:buFont typeface="Arial" panose="020B0604020202020204" pitchFamily="34" charset="0"/>
+              <a:buChar char="•"/>
+              <a:defRPr sz="2800" kern="1200">
+                <a:solidFill>
+                  <a:schemeClr val="accent6"/>
+                </a:solidFill>
+                <a:latin typeface="+mn-lt"/>
+                <a:ea typeface="+mn-ea"/>
+                <a:cs typeface="+mn-cs"/>
+              </a:defRPr>
+            </a:lvl1pPr>
+            <a:lvl2pPr marL="685800" indent="-347472" algn="l" defTabSz="914400" rtl="0" eaLnBrk="1" latinLnBrk="0" hangingPunct="1">
+              <a:lnSpc>
+                <a:spcPct val="100000"/>
+              </a:lnSpc>
+              <a:spcBef>
+                <a:spcPts val="360"/>
+              </a:spcBef>
+              <a:buFont typeface="Arial" panose="020B0604020202020204" pitchFamily="34" charset="0"/>
+              <a:buChar char="•"/>
+              <a:defRPr sz="2400" kern="1200">
+                <a:solidFill>
+                  <a:schemeClr val="accent6"/>
+                </a:solidFill>
+                <a:latin typeface="+mn-lt"/>
+                <a:ea typeface="+mn-ea"/>
+                <a:cs typeface="+mn-cs"/>
+              </a:defRPr>
+            </a:lvl2pPr>
+            <a:lvl3pPr marL="1143000" indent="-347472" algn="l" defTabSz="914400" rtl="0" eaLnBrk="1" latinLnBrk="0" hangingPunct="1">
+              <a:lnSpc>
+                <a:spcPct val="100000"/>
+              </a:lnSpc>
+              <a:spcBef>
+                <a:spcPts val="360"/>
+              </a:spcBef>
+              <a:buFont typeface="Arial" panose="020B0604020202020204" pitchFamily="34" charset="0"/>
+              <a:buChar char="•"/>
+              <a:defRPr sz="2000" kern="1200">
+                <a:solidFill>
+                  <a:schemeClr val="accent6"/>
+                </a:solidFill>
+                <a:latin typeface="+mn-lt"/>
+                <a:ea typeface="+mn-ea"/>
+                <a:cs typeface="+mn-cs"/>
+              </a:defRPr>
+            </a:lvl3pPr>
+            <a:lvl4pPr marL="1600200" indent="-347472" algn="l" defTabSz="914400" rtl="0" eaLnBrk="1" latinLnBrk="0" hangingPunct="1">
+              <a:lnSpc>
+                <a:spcPct val="100000"/>
+              </a:lnSpc>
+              <a:spcBef>
+                <a:spcPts val="360"/>
+              </a:spcBef>
+              <a:buFont typeface="Arial" panose="020B0604020202020204" pitchFamily="34" charset="0"/>
+              <a:buChar char="•"/>
+              <a:defRPr sz="1800" kern="1200">
+                <a:solidFill>
+                  <a:schemeClr val="accent6"/>
+                </a:solidFill>
+                <a:latin typeface="+mn-lt"/>
+                <a:ea typeface="+mn-ea"/>
+                <a:cs typeface="+mn-cs"/>
+              </a:defRPr>
+            </a:lvl4pPr>
+            <a:lvl5pPr marL="2057400" indent="-347472" algn="l" defTabSz="914400" rtl="0" eaLnBrk="1" latinLnBrk="0" hangingPunct="1">
+              <a:lnSpc>
+                <a:spcPct val="100000"/>
+              </a:lnSpc>
+              <a:spcBef>
+                <a:spcPts val="360"/>
+              </a:spcBef>
+              <a:buFont typeface="Arial" panose="020B0604020202020204" pitchFamily="34" charset="0"/>
+              <a:buChar char="•"/>
+              <a:defRPr sz="1800" kern="1200">
+                <a:solidFill>
+                  <a:schemeClr val="accent6"/>
+                </a:solidFill>
+                <a:latin typeface="+mn-lt"/>
+                <a:ea typeface="+mn-ea"/>
+                <a:cs typeface="+mn-cs"/>
+              </a:defRPr>
+            </a:lvl5pPr>
+            <a:lvl6pPr marL="2514600" indent="-228600" algn="l" defTabSz="914400" rtl="0" eaLnBrk="1" latinLnBrk="0" hangingPunct="1">
+              <a:lnSpc>
+                <a:spcPct val="90000"/>
+              </a:lnSpc>
+              <a:spcBef>
+                <a:spcPts val="500"/>
+              </a:spcBef>
+              <a:buFont typeface="Arial" panose="020B0604020202020204" pitchFamily="34" charset="0"/>
+              <a:buChar char="•"/>
+              <a:defRPr sz="1800" kern="1200">
+                <a:solidFill>
+                  <a:schemeClr val="tx1"/>
+                </a:solidFill>
+                <a:latin typeface="+mn-lt"/>
+                <a:ea typeface="+mn-ea"/>
+                <a:cs typeface="+mn-cs"/>
+              </a:defRPr>
+            </a:lvl6pPr>
+            <a:lvl7pPr marL="2971800" indent="-228600" algn="l" defTabSz="914400" rtl="0" eaLnBrk="1" latinLnBrk="0" hangingPunct="1">
+              <a:lnSpc>
+                <a:spcPct val="90000"/>
+              </a:lnSpc>
+              <a:spcBef>
+                <a:spcPts val="500"/>
+              </a:spcBef>
+              <a:buFont typeface="Arial" panose="020B0604020202020204" pitchFamily="34" charset="0"/>
+              <a:buChar char="•"/>
+              <a:defRPr sz="1800" kern="1200">
+                <a:solidFill>
+                  <a:schemeClr val="tx1"/>
+                </a:solidFill>
+                <a:latin typeface="+mn-lt"/>
+                <a:ea typeface="+mn-ea"/>
+                <a:cs typeface="+mn-cs"/>
+              </a:defRPr>
+            </a:lvl7pPr>
+            <a:lvl8pPr marL="3429000" indent="-228600" algn="l" defTabSz="914400" rtl="0" eaLnBrk="1" latinLnBrk="0" hangingPunct="1">
+              <a:lnSpc>
+                <a:spcPct val="90000"/>
+              </a:lnSpc>
+              <a:spcBef>
+                <a:spcPts val="500"/>
+              </a:spcBef>
+              <a:buFont typeface="Arial" panose="020B0604020202020204" pitchFamily="34" charset="0"/>
+              <a:buChar char="•"/>
+              <a:defRPr sz="1800" kern="1200">
+                <a:solidFill>
+                  <a:schemeClr val="tx1"/>
+                </a:solidFill>
+                <a:latin typeface="+mn-lt"/>
+                <a:ea typeface="+mn-ea"/>
+                <a:cs typeface="+mn-cs"/>
+              </a:defRPr>
+            </a:lvl8pPr>
+            <a:lvl9pPr marL="3886200" indent="-228600" algn="l" defTabSz="914400" rtl="0" eaLnBrk="1" latinLnBrk="0" hangingPunct="1">
+              <a:lnSpc>
+                <a:spcPct val="90000"/>
+              </a:lnSpc>
+              <a:spcBef>
+                <a:spcPts val="500"/>
+              </a:spcBef>
+              <a:buFont typeface="Arial" panose="020B0604020202020204" pitchFamily="34" charset="0"/>
+              <a:buChar char="•"/>
+              <a:defRPr sz="1800" kern="1200">
+                <a:solidFill>
+                  <a:schemeClr val="tx1"/>
+                </a:solidFill>
+                <a:latin typeface="+mn-lt"/>
+                <a:ea typeface="+mn-ea"/>
+                <a:cs typeface="+mn-cs"/>
+              </a:defRPr>
+            </a:lvl9pPr>
+          </a:lstStyle>
+          <a:p>
+            <a:pPr marL="0" indent="0">
+              <a:buNone/>
+            </a:pPr>
+            <a:r>
+              <a:rPr lang="en-US" sz="3600" b="1" dirty="0">
+                <a:solidFill>
+                  <a:srgbClr val="FF0000"/>
+                </a:solidFill>
+              </a:rPr>
+              <a:t>Answer: lemonade!</a:t>
+            </a:r>
+          </a:p>
+        </p:txBody>
+      </p:sp>
+    </p:spTree>
+    <p:extLst>
+      <p:ext uri="{BB962C8B-B14F-4D97-AF65-F5344CB8AC3E}">
+        <p14:creationId xmlns:p14="http://schemas.microsoft.com/office/powerpoint/2010/main" val="3448310113"/>
+      </p:ext>
+    </p:extLst>
+  </p:cSld>
+  <p:clrMapOvr>
+    <a:masterClrMapping/>
+  </p:clrMapOvr>
+  <p:timing>
+    <p:tnLst>
+      <p:par>
+        <p:cTn id="1" dur="indefinite" restart="never" nodeType="tmRoot">
+          <p:childTnLst>
+            <p:seq concurrent="1" nextAc="seek">
+              <p:cTn id="2" dur="indefinite" nodeType="mainSeq">
+                <p:childTnLst>
+                  <p:par>
+                    <p:cTn id="3" fill="hold">
+                      <p:stCondLst>
+                        <p:cond delay="indefinite"/>
+                      </p:stCondLst>
+                      <p:childTnLst>
+                        <p:par>
+                          <p:cTn id="4" fill="hold">
+                            <p:stCondLst>
+                              <p:cond delay="0"/>
+                            </p:stCondLst>
+                            <p:childTnLst>
+                              <p:par>
+                                <p:cTn id="5" presetID="10" presetClass="entr" presetSubtype="0" fill="hold" nodeType="clickEffect">
+                                  <p:stCondLst>
+                                    <p:cond delay="0"/>
+                                  </p:stCondLst>
+                                  <p:childTnLst>
+                                    <p:set>
+                                      <p:cBhvr>
+                                        <p:cTn id="6" dur="1" fill="hold">
+                                          <p:stCondLst>
+                                            <p:cond delay="0"/>
+                                          </p:stCondLst>
+                                        </p:cTn>
+                                        <p:tgtEl>
+                                          <p:spTgt spid="6"/>
+                                        </p:tgtEl>
+                                        <p:attrNameLst>
+                                          <p:attrName>style.visibility</p:attrName>
+                                        </p:attrNameLst>
+                                      </p:cBhvr>
+                                      <p:to>
+                                        <p:strVal val="visible"/>
+                                      </p:to>
+                                    </p:set>
+                                    <p:animEffect transition="in" filter="fade">
+                                      <p:cBhvr>
+                                        <p:cTn id="7" dur="500"/>
+                                        <p:tgtEl>
+                                          <p:spTgt spid="6"/>
+                                        </p:tgtEl>
+                                      </p:cBhvr>
+                                    </p:animEffect>
+                                  </p:childTnLst>
+                                </p:cTn>
+                              </p:par>
+                            </p:childTnLst>
+                          </p:cTn>
+                        </p:par>
+                      </p:childTnLst>
+                    </p:cTn>
+                  </p:par>
+                  <p:par>
+                    <p:cTn id="8" fill="hold">
+                      <p:stCondLst>
+                        <p:cond delay="indefinite"/>
+                      </p:stCondLst>
+                      <p:childTnLst>
+                        <p:par>
+                          <p:cTn id="9" fill="hold">
+                            <p:stCondLst>
+                              <p:cond delay="0"/>
+                            </p:stCondLst>
+                            <p:childTnLst>
+                              <p:par>
+                                <p:cTn id="10" presetID="10" presetClass="entr" presetSubtype="0" fill="hold" grpId="0" nodeType="clickEffect">
+                                  <p:stCondLst>
+                                    <p:cond delay="0"/>
+                                  </p:stCondLst>
+                                  <p:childTnLst>
+                                    <p:set>
+                                      <p:cBhvr>
+                                        <p:cTn id="11" dur="1" fill="hold">
+                                          <p:stCondLst>
+                                            <p:cond delay="0"/>
+                                          </p:stCondLst>
+                                        </p:cTn>
+                                        <p:tgtEl>
+                                          <p:spTgt spid="7"/>
+                                        </p:tgtEl>
+                                        <p:attrNameLst>
+                                          <p:attrName>style.visibility</p:attrName>
+                                        </p:attrNameLst>
+                                      </p:cBhvr>
+                                      <p:to>
+                                        <p:strVal val="visible"/>
+                                      </p:to>
+                                    </p:set>
+                                    <p:animEffect transition="in" filter="fade">
+                                      <p:cBhvr>
+                                        <p:cTn id="12" dur="500"/>
+                                        <p:tgtEl>
+                                          <p:spTgt spid="7"/>
+                                        </p:tgtEl>
+                                      </p:cBhvr>
+                                    </p:animEffect>
+                                  </p:childTnLst>
+                                </p:cTn>
+                              </p:par>
+                            </p:childTnLst>
+                          </p:cTn>
+                        </p:par>
+                      </p:childTnLst>
+                    </p:cTn>
+                  </p:par>
+                </p:childTnLst>
+              </p:cTn>
+              <p:prevCondLst>
+                <p:cond evt="onPrev" delay="0">
+                  <p:tgtEl>
+                    <p:sldTgt/>
+                  </p:tgtEl>
+                </p:cond>
+              </p:prevCondLst>
+              <p:nextCondLst>
+                <p:cond evt="onNext" delay="0">
+                  <p:tgtEl>
+                    <p:sldTgt/>
+                  </p:tgtEl>
+                </p:cond>
+              </p:nextCondLst>
+            </p:seq>
+          </p:childTnLst>
+        </p:cTn>
+      </p:par>
+    </p:tnLst>
+    <p:bldLst>
+      <p:bldP spid="7" grpId="0"/>
+    </p:bldLst>
+  </p:timing>
+</p:sld>
+</file>
+
+<file path=ppt/slides/slide15.xml><?xml version="1.0" encoding="utf-8"?>
+<p:sld xmlns:a="http://schemas.openxmlformats.org/drawingml/2006/main" xmlns:r="http://schemas.openxmlformats.org/officeDocument/2006/relationships" xmlns:p="http://schemas.openxmlformats.org/presentationml/2006/main">
+  <p:cSld>
+    <p:spTree>
+      <p:nvGrpSpPr>
+        <p:cNvPr id="1" name="">
+          <a:extLst>
+            <a:ext uri="{FF2B5EF4-FFF2-40B4-BE49-F238E27FC236}">
+              <a16:creationId xmlns:a16="http://schemas.microsoft.com/office/drawing/2014/main" id="{2C801FEB-D7E4-F9D4-9F72-03C7AE4FFB8E}"/>
+            </a:ext>
+          </a:extLst>
+        </p:cNvPr>
+        <p:cNvGrpSpPr/>
+        <p:nvPr/>
+      </p:nvGrpSpPr>
+      <p:grpSpPr>
+        <a:xfrm>
+          <a:off x="0" y="0"/>
+          <a:ext cx="0" cy="0"/>
+          <a:chOff x="0" y="0"/>
+          <a:chExt cx="0" cy="0"/>
+        </a:xfrm>
+      </p:grpSpPr>
+      <p:sp>
+        <p:nvSpPr>
+          <p:cNvPr id="2" name="Title 1">
+            <a:extLst>
+              <a:ext uri="{FF2B5EF4-FFF2-40B4-BE49-F238E27FC236}">
+                <a16:creationId xmlns:a16="http://schemas.microsoft.com/office/drawing/2014/main" id="{C4B91548-2133-96D1-51EE-2FC09CAEAF41}"/>
+              </a:ext>
+            </a:extLst>
+          </p:cNvPr>
+          <p:cNvSpPr>
+            <a:spLocks noGrp="1"/>
+          </p:cNvSpPr>
+          <p:nvPr>
+            <p:ph type="title"/>
+          </p:nvPr>
+        </p:nvSpPr>
+        <p:spPr/>
+        <p:txBody>
+          <a:bodyPr/>
+          <a:lstStyle/>
+          <a:p>
+            <a:r>
+              <a:rPr lang="en-US" dirty="0"/>
+              <a:t>MORE REBUS PUZZLES</a:t>
+            </a:r>
+          </a:p>
+        </p:txBody>
+      </p:sp>
+      <p:sp>
+        <p:nvSpPr>
+          <p:cNvPr id="3" name="Slide Number Placeholder 2">
+            <a:extLst>
+              <a:ext uri="{FF2B5EF4-FFF2-40B4-BE49-F238E27FC236}">
+                <a16:creationId xmlns:a16="http://schemas.microsoft.com/office/drawing/2014/main" id="{BD49AFD8-1247-4BB4-9313-B5E85FFC6E26}"/>
+              </a:ext>
+            </a:extLst>
+          </p:cNvPr>
+          <p:cNvSpPr>
+            <a:spLocks noGrp="1"/>
+          </p:cNvSpPr>
+          <p:nvPr>
+            <p:ph type="sldNum" sz="quarter" idx="12"/>
+          </p:nvPr>
+        </p:nvSpPr>
+        <p:spPr/>
+        <p:txBody>
+          <a:bodyPr/>
+          <a:lstStyle/>
+          <a:p>
+            <a:fld id="{48F63A3B-78C7-47BE-AE5E-E10140E04643}" type="slidenum">
+              <a:rPr lang="en-US" smtClean="0"/>
+              <a:pPr/>
+              <a:t>15</a:t>
+            </a:fld>
+            <a:endParaRPr lang="en-US"/>
+          </a:p>
+        </p:txBody>
+      </p:sp>
+      <p:sp>
+        <p:nvSpPr>
+          <p:cNvPr id="6" name="Content Placeholder 5">
+            <a:extLst>
+              <a:ext uri="{FF2B5EF4-FFF2-40B4-BE49-F238E27FC236}">
+                <a16:creationId xmlns:a16="http://schemas.microsoft.com/office/drawing/2014/main" id="{F1D631C9-7062-B54B-C9C8-0F056722EBC7}"/>
+              </a:ext>
+            </a:extLst>
+          </p:cNvPr>
+          <p:cNvSpPr txBox="1">
+            <a:spLocks/>
+          </p:cNvSpPr>
+          <p:nvPr/>
+        </p:nvSpPr>
+        <p:spPr>
+          <a:xfrm>
+            <a:off x="6094476" y="3429000"/>
+            <a:ext cx="10511627" cy="3948557"/>
+          </a:xfrm>
+          <a:prstGeom prst="rect">
+            <a:avLst/>
+          </a:prstGeom>
+        </p:spPr>
+        <p:txBody>
+          <a:bodyPr>
+            <a:normAutofit/>
+          </a:bodyPr>
+          <a:lstStyle>
+            <a:lvl1pPr marL="347472" indent="-347472" algn="l" defTabSz="914400" rtl="0" eaLnBrk="1" latinLnBrk="0" hangingPunct="1">
+              <a:lnSpc>
+                <a:spcPct val="100000"/>
+              </a:lnSpc>
+              <a:spcBef>
+                <a:spcPts val="360"/>
+              </a:spcBef>
+              <a:buFont typeface="Arial" panose="020B0604020202020204" pitchFamily="34" charset="0"/>
+              <a:buChar char="•"/>
+              <a:defRPr sz="2800" kern="1200">
+                <a:solidFill>
+                  <a:schemeClr val="accent6"/>
+                </a:solidFill>
+                <a:latin typeface="+mn-lt"/>
+                <a:ea typeface="+mn-ea"/>
+                <a:cs typeface="+mn-cs"/>
+              </a:defRPr>
+            </a:lvl1pPr>
+            <a:lvl2pPr marL="685800" indent="-347472" algn="l" defTabSz="914400" rtl="0" eaLnBrk="1" latinLnBrk="0" hangingPunct="1">
+              <a:lnSpc>
+                <a:spcPct val="100000"/>
+              </a:lnSpc>
+              <a:spcBef>
+                <a:spcPts val="360"/>
+              </a:spcBef>
+              <a:buFont typeface="Arial" panose="020B0604020202020204" pitchFamily="34" charset="0"/>
+              <a:buChar char="•"/>
+              <a:defRPr sz="2400" kern="1200">
+                <a:solidFill>
+                  <a:schemeClr val="accent6"/>
+                </a:solidFill>
+                <a:latin typeface="+mn-lt"/>
+                <a:ea typeface="+mn-ea"/>
+                <a:cs typeface="+mn-cs"/>
+              </a:defRPr>
+            </a:lvl2pPr>
+            <a:lvl3pPr marL="1143000" indent="-347472" algn="l" defTabSz="914400" rtl="0" eaLnBrk="1" latinLnBrk="0" hangingPunct="1">
+              <a:lnSpc>
+                <a:spcPct val="100000"/>
+              </a:lnSpc>
+              <a:spcBef>
+                <a:spcPts val="360"/>
+              </a:spcBef>
+              <a:buFont typeface="Arial" panose="020B0604020202020204" pitchFamily="34" charset="0"/>
+              <a:buChar char="•"/>
+              <a:defRPr sz="2000" kern="1200">
+                <a:solidFill>
+                  <a:schemeClr val="accent6"/>
+                </a:solidFill>
+                <a:latin typeface="+mn-lt"/>
+                <a:ea typeface="+mn-ea"/>
+                <a:cs typeface="+mn-cs"/>
+              </a:defRPr>
+            </a:lvl3pPr>
+            <a:lvl4pPr marL="1600200" indent="-347472" algn="l" defTabSz="914400" rtl="0" eaLnBrk="1" latinLnBrk="0" hangingPunct="1">
+              <a:lnSpc>
+                <a:spcPct val="100000"/>
+              </a:lnSpc>
+              <a:spcBef>
+                <a:spcPts val="360"/>
+              </a:spcBef>
+              <a:buFont typeface="Arial" panose="020B0604020202020204" pitchFamily="34" charset="0"/>
+              <a:buChar char="•"/>
+              <a:defRPr sz="1800" kern="1200">
+                <a:solidFill>
+                  <a:schemeClr val="accent6"/>
+                </a:solidFill>
+                <a:latin typeface="+mn-lt"/>
+                <a:ea typeface="+mn-ea"/>
+                <a:cs typeface="+mn-cs"/>
+              </a:defRPr>
+            </a:lvl4pPr>
+            <a:lvl5pPr marL="2057400" indent="-347472" algn="l" defTabSz="914400" rtl="0" eaLnBrk="1" latinLnBrk="0" hangingPunct="1">
+              <a:lnSpc>
+                <a:spcPct val="100000"/>
+              </a:lnSpc>
+              <a:spcBef>
+                <a:spcPts val="360"/>
+              </a:spcBef>
+              <a:buFont typeface="Arial" panose="020B0604020202020204" pitchFamily="34" charset="0"/>
+              <a:buChar char="•"/>
+              <a:defRPr sz="1800" kern="1200">
+                <a:solidFill>
+                  <a:schemeClr val="accent6"/>
+                </a:solidFill>
+                <a:latin typeface="+mn-lt"/>
+                <a:ea typeface="+mn-ea"/>
+                <a:cs typeface="+mn-cs"/>
+              </a:defRPr>
+            </a:lvl5pPr>
+            <a:lvl6pPr marL="2514600" indent="-228600" algn="l" defTabSz="914400" rtl="0" eaLnBrk="1" latinLnBrk="0" hangingPunct="1">
+              <a:lnSpc>
+                <a:spcPct val="90000"/>
+              </a:lnSpc>
+              <a:spcBef>
+                <a:spcPts val="500"/>
+              </a:spcBef>
+              <a:buFont typeface="Arial" panose="020B0604020202020204" pitchFamily="34" charset="0"/>
+              <a:buChar char="•"/>
+              <a:defRPr sz="1800" kern="1200">
+                <a:solidFill>
+                  <a:schemeClr val="tx1"/>
+                </a:solidFill>
+                <a:latin typeface="+mn-lt"/>
+                <a:ea typeface="+mn-ea"/>
+                <a:cs typeface="+mn-cs"/>
+              </a:defRPr>
+            </a:lvl6pPr>
+            <a:lvl7pPr marL="2971800" indent="-228600" algn="l" defTabSz="914400" rtl="0" eaLnBrk="1" latinLnBrk="0" hangingPunct="1">
+              <a:lnSpc>
+                <a:spcPct val="90000"/>
+              </a:lnSpc>
+              <a:spcBef>
+                <a:spcPts val="500"/>
+              </a:spcBef>
+              <a:buFont typeface="Arial" panose="020B0604020202020204" pitchFamily="34" charset="0"/>
+              <a:buChar char="•"/>
+              <a:defRPr sz="1800" kern="1200">
+                <a:solidFill>
+                  <a:schemeClr val="tx1"/>
+                </a:solidFill>
+                <a:latin typeface="+mn-lt"/>
+                <a:ea typeface="+mn-ea"/>
+                <a:cs typeface="+mn-cs"/>
+              </a:defRPr>
+            </a:lvl7pPr>
+            <a:lvl8pPr marL="3429000" indent="-228600" algn="l" defTabSz="914400" rtl="0" eaLnBrk="1" latinLnBrk="0" hangingPunct="1">
+              <a:lnSpc>
+                <a:spcPct val="90000"/>
+              </a:lnSpc>
+              <a:spcBef>
+                <a:spcPts val="500"/>
+              </a:spcBef>
+              <a:buFont typeface="Arial" panose="020B0604020202020204" pitchFamily="34" charset="0"/>
+              <a:buChar char="•"/>
+              <a:defRPr sz="1800" kern="1200">
+                <a:solidFill>
+                  <a:schemeClr val="tx1"/>
+                </a:solidFill>
+                <a:latin typeface="+mn-lt"/>
+                <a:ea typeface="+mn-ea"/>
+                <a:cs typeface="+mn-cs"/>
+              </a:defRPr>
+            </a:lvl8pPr>
+            <a:lvl9pPr marL="3886200" indent="-228600" algn="l" defTabSz="914400" rtl="0" eaLnBrk="1" latinLnBrk="0" hangingPunct="1">
+              <a:lnSpc>
+                <a:spcPct val="90000"/>
+              </a:lnSpc>
+              <a:spcBef>
+                <a:spcPts val="500"/>
+              </a:spcBef>
+              <a:buFont typeface="Arial" panose="020B0604020202020204" pitchFamily="34" charset="0"/>
+              <a:buChar char="•"/>
+              <a:defRPr sz="1800" kern="1200">
+                <a:solidFill>
+                  <a:schemeClr val="tx1"/>
+                </a:solidFill>
+                <a:latin typeface="+mn-lt"/>
+                <a:ea typeface="+mn-ea"/>
+                <a:cs typeface="+mn-cs"/>
+              </a:defRPr>
+            </a:lvl9pPr>
+          </a:lstStyle>
+          <a:p>
+            <a:pPr marL="0" indent="0">
+              <a:buNone/>
+            </a:pPr>
+            <a:r>
+              <a:rPr lang="en-US" sz="3600" b="1" dirty="0">
+                <a:solidFill>
+                  <a:srgbClr val="FF0000"/>
+                </a:solidFill>
+              </a:rPr>
+              <a:t>Answer: apple pie!</a:t>
+            </a:r>
+          </a:p>
+        </p:txBody>
+      </p:sp>
+      <p:pic>
+        <p:nvPicPr>
+          <p:cNvPr id="7" name="Graphic 6" descr="Apple with solid fill">
+            <a:extLst>
+              <a:ext uri="{FF2B5EF4-FFF2-40B4-BE49-F238E27FC236}">
+                <a16:creationId xmlns:a16="http://schemas.microsoft.com/office/drawing/2014/main" id="{138D1E7D-BF26-27B9-EA3B-685C8D0366E3}"/>
+              </a:ext>
+            </a:extLst>
+          </p:cNvPr>
+          <p:cNvPicPr>
+            <a:picLocks noChangeAspect="1"/>
+          </p:cNvPicPr>
+          <p:nvPr/>
+        </p:nvPicPr>
+        <p:blipFill>
+          <a:blip r:embed="rId2">
+            <a:extLst>
+              <a:ext uri="{96DAC541-7B7A-43D3-8B79-37D633B846F1}">
+                <asvg:svgBlip xmlns:asvg="http://schemas.microsoft.com/office/drawing/2016/SVG/main" r:embed="rId3"/>
+              </a:ext>
+            </a:extLst>
+          </a:blip>
+          <a:stretch>
+            <a:fillRect/>
+          </a:stretch>
+        </p:blipFill>
+        <p:spPr>
+          <a:xfrm>
+            <a:off x="1517737" y="2808962"/>
+            <a:ext cx="1839238" cy="1839238"/>
+          </a:xfrm>
+          <a:prstGeom prst="rect">
+            <a:avLst/>
+          </a:prstGeom>
+        </p:spPr>
+      </p:pic>
+      <p:sp>
+        <p:nvSpPr>
+          <p:cNvPr id="8" name="TextBox 7">
+            <a:extLst>
+              <a:ext uri="{FF2B5EF4-FFF2-40B4-BE49-F238E27FC236}">
+                <a16:creationId xmlns:a16="http://schemas.microsoft.com/office/drawing/2014/main" id="{DA4C0765-DCB9-8639-56F9-B6DBD3953E6E}"/>
+              </a:ext>
+            </a:extLst>
+          </p:cNvPr>
+          <p:cNvSpPr txBox="1"/>
+          <p:nvPr/>
+        </p:nvSpPr>
+        <p:spPr>
+          <a:xfrm>
+            <a:off x="3356975" y="2620585"/>
+            <a:ext cx="2730674" cy="2215991"/>
+          </a:xfrm>
+          <a:prstGeom prst="rect">
+            <a:avLst/>
+          </a:prstGeom>
+          <a:noFill/>
+        </p:spPr>
+        <p:txBody>
+          <a:bodyPr wrap="square" rtlCol="0">
+            <a:spAutoFit/>
+          </a:bodyPr>
+          <a:lstStyle/>
+          <a:p>
+            <a:r>
+              <a:rPr lang="en-US" sz="13800" dirty="0">
+                <a:latin typeface="Cambria Math" panose="02040503050406030204" pitchFamily="18" charset="0"/>
+                <a:ea typeface="Cambria Math" panose="02040503050406030204" pitchFamily="18" charset="0"/>
+              </a:rPr>
+              <a:t>π</a:t>
+            </a:r>
+            <a:endParaRPr lang="en-US" sz="13800" dirty="0"/>
+          </a:p>
+        </p:txBody>
+      </p:sp>
+      <p:sp>
+        <p:nvSpPr>
+          <p:cNvPr id="9" name="TextBox 8">
+            <a:extLst>
+              <a:ext uri="{FF2B5EF4-FFF2-40B4-BE49-F238E27FC236}">
+                <a16:creationId xmlns:a16="http://schemas.microsoft.com/office/drawing/2014/main" id="{86FA3A12-9B38-6D16-EC96-7E99395FA57F}"/>
+              </a:ext>
+            </a:extLst>
+          </p:cNvPr>
+          <p:cNvSpPr txBox="1"/>
+          <p:nvPr/>
+        </p:nvSpPr>
+        <p:spPr>
+          <a:xfrm>
+            <a:off x="2855935" y="5085082"/>
+            <a:ext cx="2379945" cy="646331"/>
+          </a:xfrm>
+          <a:prstGeom prst="rect">
+            <a:avLst/>
+          </a:prstGeom>
+          <a:noFill/>
+        </p:spPr>
+        <p:txBody>
+          <a:bodyPr wrap="square" rtlCol="0">
+            <a:spAutoFit/>
+          </a:bodyPr>
+          <a:lstStyle/>
+          <a:p>
+            <a:r>
+              <a:rPr lang="en-US" dirty="0"/>
+              <a:t>Who knows what this symbol means?</a:t>
+            </a:r>
+          </a:p>
+        </p:txBody>
+      </p:sp>
+    </p:spTree>
+    <p:extLst>
+      <p:ext uri="{BB962C8B-B14F-4D97-AF65-F5344CB8AC3E}">
+        <p14:creationId xmlns:p14="http://schemas.microsoft.com/office/powerpoint/2010/main" val="3823589490"/>
+      </p:ext>
+    </p:extLst>
+  </p:cSld>
+  <p:clrMapOvr>
+    <a:masterClrMapping/>
+  </p:clrMapOvr>
+  <p:timing>
+    <p:tnLst>
+      <p:par>
+        <p:cTn id="1" dur="indefinite" restart="never" nodeType="tmRoot">
+          <p:childTnLst>
+            <p:seq concurrent="1" nextAc="seek">
+              <p:cTn id="2" dur="indefinite" nodeType="mainSeq">
+                <p:childTnLst>
+                  <p:par>
+                    <p:cTn id="3" fill="hold">
+                      <p:stCondLst>
+                        <p:cond delay="indefinite"/>
+                      </p:stCondLst>
+                      <p:childTnLst>
+                        <p:par>
+                          <p:cTn id="4" fill="hold">
+                            <p:stCondLst>
+                              <p:cond delay="0"/>
+                            </p:stCondLst>
+                            <p:childTnLst>
+                              <p:par>
+                                <p:cTn id="5" presetID="10" presetClass="entr" presetSubtype="0" fill="hold" grpId="0" nodeType="clickEffect">
+                                  <p:stCondLst>
+                                    <p:cond delay="0"/>
+                                  </p:stCondLst>
+                                  <p:childTnLst>
+                                    <p:set>
+                                      <p:cBhvr>
+                                        <p:cTn id="6" dur="1" fill="hold">
+                                          <p:stCondLst>
+                                            <p:cond delay="0"/>
+                                          </p:stCondLst>
+                                        </p:cTn>
+                                        <p:tgtEl>
+                                          <p:spTgt spid="6"/>
+                                        </p:tgtEl>
+                                        <p:attrNameLst>
+                                          <p:attrName>style.visibility</p:attrName>
+                                        </p:attrNameLst>
+                                      </p:cBhvr>
+                                      <p:to>
+                                        <p:strVal val="visible"/>
+                                      </p:to>
+                                    </p:set>
+                                    <p:animEffect transition="in" filter="fade">
+                                      <p:cBhvr>
+                                        <p:cTn id="7" dur="500"/>
+                                        <p:tgtEl>
+                                          <p:spTgt spid="6"/>
+                                        </p:tgtEl>
+                                      </p:cBhvr>
+                                    </p:animEffect>
+                                  </p:childTnLst>
+                                </p:cTn>
+                              </p:par>
+                            </p:childTnLst>
+                          </p:cTn>
+                        </p:par>
+                      </p:childTnLst>
+                    </p:cTn>
+                  </p:par>
+                </p:childTnLst>
+              </p:cTn>
+              <p:prevCondLst>
+                <p:cond evt="onPrev" delay="0">
+                  <p:tgtEl>
+                    <p:sldTgt/>
+                  </p:tgtEl>
+                </p:cond>
+              </p:prevCondLst>
+              <p:nextCondLst>
+                <p:cond evt="onNext" delay="0">
+                  <p:tgtEl>
+                    <p:sldTgt/>
+                  </p:tgtEl>
+                </p:cond>
+              </p:nextCondLst>
+            </p:seq>
+          </p:childTnLst>
+        </p:cTn>
+      </p:par>
+    </p:tnLst>
+    <p:bldLst>
+      <p:bldP spid="6" grpId="0"/>
+    </p:bldLst>
+  </p:timing>
+</p:sld>
+</file>
+
+<file path=ppt/slides/slide16.xml><?xml version="1.0" encoding="utf-8"?>
+<p:sld xmlns:a="http://schemas.openxmlformats.org/drawingml/2006/main" xmlns:r="http://schemas.openxmlformats.org/officeDocument/2006/relationships" xmlns:p="http://schemas.openxmlformats.org/presentationml/2006/main">
+  <p:cSld>
+    <p:spTree>
+      <p:nvGrpSpPr>
+        <p:cNvPr id="1" name=""/>
+        <p:cNvGrpSpPr/>
+        <p:nvPr/>
+      </p:nvGrpSpPr>
+      <p:grpSpPr>
+        <a:xfrm>
+          <a:off x="0" y="0"/>
+          <a:ext cx="0" cy="0"/>
+          <a:chOff x="0" y="0"/>
+          <a:chExt cx="0" cy="0"/>
+        </a:xfrm>
+      </p:grpSpPr>
+      <p:sp>
+        <p:nvSpPr>
+          <p:cNvPr id="2" name="Title 1">
+            <a:extLst>
+              <a:ext uri="{FF2B5EF4-FFF2-40B4-BE49-F238E27FC236}">
+                <a16:creationId xmlns:a16="http://schemas.microsoft.com/office/drawing/2014/main" id="{580ECC67-65EF-FB6E-E079-00BE2F597EF3}"/>
+              </a:ext>
+            </a:extLst>
+          </p:cNvPr>
+          <p:cNvSpPr>
+            <a:spLocks noGrp="1"/>
+          </p:cNvSpPr>
+          <p:nvPr>
+            <p:ph type="title"/>
+          </p:nvPr>
+        </p:nvSpPr>
+        <p:spPr/>
+        <p:txBody>
+          <a:bodyPr/>
+          <a:lstStyle/>
+          <a:p>
+            <a:r>
+              <a:rPr lang="en-US" dirty="0"/>
+              <a:t>MORE REBUS PUZZLES</a:t>
+            </a:r>
+          </a:p>
+        </p:txBody>
+      </p:sp>
+      <p:sp>
+        <p:nvSpPr>
+          <p:cNvPr id="3" name="Slide Number Placeholder 2">
+            <a:extLst>
+              <a:ext uri="{FF2B5EF4-FFF2-40B4-BE49-F238E27FC236}">
+                <a16:creationId xmlns:a16="http://schemas.microsoft.com/office/drawing/2014/main" id="{74C65861-3531-24EC-12A3-00B895178E08}"/>
+              </a:ext>
+            </a:extLst>
+          </p:cNvPr>
+          <p:cNvSpPr>
+            <a:spLocks noGrp="1"/>
+          </p:cNvSpPr>
+          <p:nvPr>
+            <p:ph type="sldNum" sz="quarter" idx="12"/>
+          </p:nvPr>
+        </p:nvSpPr>
+        <p:spPr/>
+        <p:txBody>
+          <a:bodyPr/>
+          <a:lstStyle/>
+          <a:p>
+            <a:fld id="{48F63A3B-78C7-47BE-AE5E-E10140E04643}" type="slidenum">
+              <a:rPr lang="en-US" smtClean="0"/>
+              <a:pPr/>
+              <a:t>16</a:t>
+            </a:fld>
+            <a:endParaRPr lang="en-US"/>
+          </a:p>
+        </p:txBody>
+      </p:sp>
+      <p:sp>
+        <p:nvSpPr>
+          <p:cNvPr id="6" name="Content Placeholder 5">
+            <a:extLst>
+              <a:ext uri="{FF2B5EF4-FFF2-40B4-BE49-F238E27FC236}">
+                <a16:creationId xmlns:a16="http://schemas.microsoft.com/office/drawing/2014/main" id="{E651FC93-6890-315D-DC2B-441C90C5916C}"/>
+              </a:ext>
+            </a:extLst>
+          </p:cNvPr>
+          <p:cNvSpPr txBox="1">
+            <a:spLocks/>
+          </p:cNvSpPr>
+          <p:nvPr/>
+        </p:nvSpPr>
+        <p:spPr>
+          <a:xfrm>
+            <a:off x="6407626" y="3429000"/>
+            <a:ext cx="10511627" cy="3948557"/>
+          </a:xfrm>
+          <a:prstGeom prst="rect">
+            <a:avLst/>
+          </a:prstGeom>
+        </p:spPr>
+        <p:txBody>
+          <a:bodyPr>
+            <a:normAutofit/>
+          </a:bodyPr>
+          <a:lstStyle>
+            <a:lvl1pPr marL="347472" indent="-347472" algn="l" defTabSz="914400" rtl="0" eaLnBrk="1" latinLnBrk="0" hangingPunct="1">
+              <a:lnSpc>
+                <a:spcPct val="100000"/>
+              </a:lnSpc>
+              <a:spcBef>
+                <a:spcPts val="360"/>
+              </a:spcBef>
+              <a:buFont typeface="Arial" panose="020B0604020202020204" pitchFamily="34" charset="0"/>
+              <a:buChar char="•"/>
+              <a:defRPr sz="2800" kern="1200">
+                <a:solidFill>
+                  <a:schemeClr val="accent6"/>
+                </a:solidFill>
+                <a:latin typeface="+mn-lt"/>
+                <a:ea typeface="+mn-ea"/>
+                <a:cs typeface="+mn-cs"/>
+              </a:defRPr>
+            </a:lvl1pPr>
+            <a:lvl2pPr marL="685800" indent="-347472" algn="l" defTabSz="914400" rtl="0" eaLnBrk="1" latinLnBrk="0" hangingPunct="1">
+              <a:lnSpc>
+                <a:spcPct val="100000"/>
+              </a:lnSpc>
+              <a:spcBef>
+                <a:spcPts val="360"/>
+              </a:spcBef>
+              <a:buFont typeface="Arial" panose="020B0604020202020204" pitchFamily="34" charset="0"/>
+              <a:buChar char="•"/>
+              <a:defRPr sz="2400" kern="1200">
+                <a:solidFill>
+                  <a:schemeClr val="accent6"/>
+                </a:solidFill>
+                <a:latin typeface="+mn-lt"/>
+                <a:ea typeface="+mn-ea"/>
+                <a:cs typeface="+mn-cs"/>
+              </a:defRPr>
+            </a:lvl2pPr>
+            <a:lvl3pPr marL="1143000" indent="-347472" algn="l" defTabSz="914400" rtl="0" eaLnBrk="1" latinLnBrk="0" hangingPunct="1">
+              <a:lnSpc>
+                <a:spcPct val="100000"/>
+              </a:lnSpc>
+              <a:spcBef>
+                <a:spcPts val="360"/>
+              </a:spcBef>
+              <a:buFont typeface="Arial" panose="020B0604020202020204" pitchFamily="34" charset="0"/>
+              <a:buChar char="•"/>
+              <a:defRPr sz="2000" kern="1200">
+                <a:solidFill>
+                  <a:schemeClr val="accent6"/>
+                </a:solidFill>
+                <a:latin typeface="+mn-lt"/>
+                <a:ea typeface="+mn-ea"/>
+                <a:cs typeface="+mn-cs"/>
+              </a:defRPr>
+            </a:lvl3pPr>
+            <a:lvl4pPr marL="1600200" indent="-347472" algn="l" defTabSz="914400" rtl="0" eaLnBrk="1" latinLnBrk="0" hangingPunct="1">
+              <a:lnSpc>
+                <a:spcPct val="100000"/>
+              </a:lnSpc>
+              <a:spcBef>
+                <a:spcPts val="360"/>
+              </a:spcBef>
+              <a:buFont typeface="Arial" panose="020B0604020202020204" pitchFamily="34" charset="0"/>
+              <a:buChar char="•"/>
+              <a:defRPr sz="1800" kern="1200">
+                <a:solidFill>
+                  <a:schemeClr val="accent6"/>
+                </a:solidFill>
+                <a:latin typeface="+mn-lt"/>
+                <a:ea typeface="+mn-ea"/>
+                <a:cs typeface="+mn-cs"/>
+              </a:defRPr>
+            </a:lvl4pPr>
+            <a:lvl5pPr marL="2057400" indent="-347472" algn="l" defTabSz="914400" rtl="0" eaLnBrk="1" latinLnBrk="0" hangingPunct="1">
+              <a:lnSpc>
+                <a:spcPct val="100000"/>
+              </a:lnSpc>
+              <a:spcBef>
+                <a:spcPts val="360"/>
+              </a:spcBef>
+              <a:buFont typeface="Arial" panose="020B0604020202020204" pitchFamily="34" charset="0"/>
+              <a:buChar char="•"/>
+              <a:defRPr sz="1800" kern="1200">
+                <a:solidFill>
+                  <a:schemeClr val="accent6"/>
+                </a:solidFill>
+                <a:latin typeface="+mn-lt"/>
+                <a:ea typeface="+mn-ea"/>
+                <a:cs typeface="+mn-cs"/>
+              </a:defRPr>
+            </a:lvl5pPr>
+            <a:lvl6pPr marL="2514600" indent="-228600" algn="l" defTabSz="914400" rtl="0" eaLnBrk="1" latinLnBrk="0" hangingPunct="1">
+              <a:lnSpc>
+                <a:spcPct val="90000"/>
+              </a:lnSpc>
+              <a:spcBef>
+                <a:spcPts val="500"/>
+              </a:spcBef>
+              <a:buFont typeface="Arial" panose="020B0604020202020204" pitchFamily="34" charset="0"/>
+              <a:buChar char="•"/>
+              <a:defRPr sz="1800" kern="1200">
+                <a:solidFill>
+                  <a:schemeClr val="tx1"/>
+                </a:solidFill>
+                <a:latin typeface="+mn-lt"/>
+                <a:ea typeface="+mn-ea"/>
+                <a:cs typeface="+mn-cs"/>
+              </a:defRPr>
+            </a:lvl6pPr>
+            <a:lvl7pPr marL="2971800" indent="-228600" algn="l" defTabSz="914400" rtl="0" eaLnBrk="1" latinLnBrk="0" hangingPunct="1">
+              <a:lnSpc>
+                <a:spcPct val="90000"/>
+              </a:lnSpc>
+              <a:spcBef>
+                <a:spcPts val="500"/>
+              </a:spcBef>
+              <a:buFont typeface="Arial" panose="020B0604020202020204" pitchFamily="34" charset="0"/>
+              <a:buChar char="•"/>
+              <a:defRPr sz="1800" kern="1200">
+                <a:solidFill>
+                  <a:schemeClr val="tx1"/>
+                </a:solidFill>
+                <a:latin typeface="+mn-lt"/>
+                <a:ea typeface="+mn-ea"/>
+                <a:cs typeface="+mn-cs"/>
+              </a:defRPr>
+            </a:lvl7pPr>
+            <a:lvl8pPr marL="3429000" indent="-228600" algn="l" defTabSz="914400" rtl="0" eaLnBrk="1" latinLnBrk="0" hangingPunct="1">
+              <a:lnSpc>
+                <a:spcPct val="90000"/>
+              </a:lnSpc>
+              <a:spcBef>
+                <a:spcPts val="500"/>
+              </a:spcBef>
+              <a:buFont typeface="Arial" panose="020B0604020202020204" pitchFamily="34" charset="0"/>
+              <a:buChar char="•"/>
+              <a:defRPr sz="1800" kern="1200">
+                <a:solidFill>
+                  <a:schemeClr val="tx1"/>
+                </a:solidFill>
+                <a:latin typeface="+mn-lt"/>
+                <a:ea typeface="+mn-ea"/>
+                <a:cs typeface="+mn-cs"/>
+              </a:defRPr>
+            </a:lvl8pPr>
+            <a:lvl9pPr marL="3886200" indent="-228600" algn="l" defTabSz="914400" rtl="0" eaLnBrk="1" latinLnBrk="0" hangingPunct="1">
+              <a:lnSpc>
+                <a:spcPct val="90000"/>
+              </a:lnSpc>
+              <a:spcBef>
+                <a:spcPts val="500"/>
+              </a:spcBef>
+              <a:buFont typeface="Arial" panose="020B0604020202020204" pitchFamily="34" charset="0"/>
+              <a:buChar char="•"/>
+              <a:defRPr sz="1800" kern="1200">
+                <a:solidFill>
+                  <a:schemeClr val="tx1"/>
+                </a:solidFill>
+                <a:latin typeface="+mn-lt"/>
+                <a:ea typeface="+mn-ea"/>
+                <a:cs typeface="+mn-cs"/>
+              </a:defRPr>
+            </a:lvl9pPr>
+          </a:lstStyle>
+          <a:p>
+            <a:pPr marL="0" indent="0">
+              <a:buNone/>
+            </a:pPr>
+            <a:r>
+              <a:rPr lang="en-US" sz="3600" b="1" dirty="0">
+                <a:solidFill>
+                  <a:srgbClr val="FF0000"/>
+                </a:solidFill>
+              </a:rPr>
+              <a:t>Answer: water!</a:t>
+            </a:r>
+          </a:p>
+        </p:txBody>
+      </p:sp>
+      <p:pic>
+        <p:nvPicPr>
+          <p:cNvPr id="12" name="Picture 11">
+            <a:extLst>
+              <a:ext uri="{FF2B5EF4-FFF2-40B4-BE49-F238E27FC236}">
+                <a16:creationId xmlns:a16="http://schemas.microsoft.com/office/drawing/2014/main" id="{99395D7F-EAA4-5198-52CB-0F770A7138BA}"/>
+              </a:ext>
+            </a:extLst>
+          </p:cNvPr>
+          <p:cNvPicPr>
+            <a:picLocks noChangeAspect="1"/>
+          </p:cNvPicPr>
+          <p:nvPr/>
+        </p:nvPicPr>
+        <p:blipFill>
+          <a:blip r:embed="rId2"/>
+          <a:stretch>
+            <a:fillRect/>
+          </a:stretch>
+        </p:blipFill>
+        <p:spPr>
+          <a:xfrm>
+            <a:off x="881172" y="2921148"/>
+            <a:ext cx="5062992" cy="1513078"/>
+          </a:xfrm>
+          <a:prstGeom prst="rect">
+            <a:avLst/>
+          </a:prstGeom>
+        </p:spPr>
+      </p:pic>
+    </p:spTree>
+    <p:extLst>
+      <p:ext uri="{BB962C8B-B14F-4D97-AF65-F5344CB8AC3E}">
+        <p14:creationId xmlns:p14="http://schemas.microsoft.com/office/powerpoint/2010/main" val="3196587078"/>
+      </p:ext>
+    </p:extLst>
+  </p:cSld>
+  <p:clrMapOvr>
+    <a:masterClrMapping/>
+  </p:clrMapOvr>
+  <p:timing>
+    <p:tnLst>
+      <p:par>
+        <p:cTn id="1" dur="indefinite" restart="never" nodeType="tmRoot">
+          <p:childTnLst>
+            <p:seq concurrent="1" nextAc="seek">
+              <p:cTn id="2" dur="indefinite" nodeType="mainSeq">
+                <p:childTnLst>
+                  <p:par>
+                    <p:cTn id="3" fill="hold">
+                      <p:stCondLst>
+                        <p:cond delay="indefinite"/>
+                      </p:stCondLst>
+                      <p:childTnLst>
+                        <p:par>
+                          <p:cTn id="4" fill="hold">
+                            <p:stCondLst>
+                              <p:cond delay="0"/>
+                            </p:stCondLst>
+                            <p:childTnLst>
+                              <p:par>
+                                <p:cTn id="5" presetID="10" presetClass="entr" presetSubtype="0" fill="hold" grpId="0" nodeType="clickEffect">
+                                  <p:stCondLst>
+                                    <p:cond delay="0"/>
+                                  </p:stCondLst>
+                                  <p:childTnLst>
+                                    <p:set>
+                                      <p:cBhvr>
+                                        <p:cTn id="6" dur="1" fill="hold">
+                                          <p:stCondLst>
+                                            <p:cond delay="0"/>
+                                          </p:stCondLst>
+                                        </p:cTn>
+                                        <p:tgtEl>
+                                          <p:spTgt spid="6"/>
+                                        </p:tgtEl>
+                                        <p:attrNameLst>
+                                          <p:attrName>style.visibility</p:attrName>
+                                        </p:attrNameLst>
+                                      </p:cBhvr>
+                                      <p:to>
+                                        <p:strVal val="visible"/>
+                                      </p:to>
+                                    </p:set>
+                                    <p:animEffect transition="in" filter="fade">
+                                      <p:cBhvr>
+                                        <p:cTn id="7" dur="500"/>
+                                        <p:tgtEl>
+                                          <p:spTgt spid="6"/>
+                                        </p:tgtEl>
+                                      </p:cBhvr>
+                                    </p:animEffect>
+                                  </p:childTnLst>
+                                </p:cTn>
+                              </p:par>
+                            </p:childTnLst>
+                          </p:cTn>
+                        </p:par>
+                      </p:childTnLst>
+                    </p:cTn>
+                  </p:par>
+                </p:childTnLst>
+              </p:cTn>
+              <p:prevCondLst>
+                <p:cond evt="onPrev" delay="0">
+                  <p:tgtEl>
+                    <p:sldTgt/>
+                  </p:tgtEl>
+                </p:cond>
+              </p:prevCondLst>
+              <p:nextCondLst>
+                <p:cond evt="onNext" delay="0">
+                  <p:tgtEl>
+                    <p:sldTgt/>
+                  </p:tgtEl>
+                </p:cond>
+              </p:nextCondLst>
+            </p:seq>
+          </p:childTnLst>
+        </p:cTn>
+      </p:par>
+    </p:tnLst>
+    <p:bldLst>
+      <p:bldP spid="6" grpId="0"/>
+    </p:bldLst>
+  </p:timing>
+</p:sld>
+</file>
+
+<file path=ppt/slides/slide17.xml><?xml version="1.0" encoding="utf-8"?>
+<p:sld xmlns:a="http://schemas.openxmlformats.org/drawingml/2006/main" xmlns:r="http://schemas.openxmlformats.org/officeDocument/2006/relationships" xmlns:p="http://schemas.openxmlformats.org/presentationml/2006/main">
+  <p:cSld>
+    <p:spTree>
+      <p:nvGrpSpPr>
+        <p:cNvPr id="1" name="">
+          <a:extLst>
+            <a:ext uri="{FF2B5EF4-FFF2-40B4-BE49-F238E27FC236}">
+              <a16:creationId xmlns:a16="http://schemas.microsoft.com/office/drawing/2014/main" id="{D88F7952-3FA3-57F1-7435-6D1688B3D1A5}"/>
+            </a:ext>
+          </a:extLst>
+        </p:cNvPr>
+        <p:cNvGrpSpPr/>
+        <p:nvPr/>
+      </p:nvGrpSpPr>
+      <p:grpSpPr>
+        <a:xfrm>
+          <a:off x="0" y="0"/>
+          <a:ext cx="0" cy="0"/>
+          <a:chOff x="0" y="0"/>
+          <a:chExt cx="0" cy="0"/>
+        </a:xfrm>
+      </p:grpSpPr>
+      <p:sp>
+        <p:nvSpPr>
+          <p:cNvPr id="2" name="Title 1">
+            <a:extLst>
+              <a:ext uri="{FF2B5EF4-FFF2-40B4-BE49-F238E27FC236}">
+                <a16:creationId xmlns:a16="http://schemas.microsoft.com/office/drawing/2014/main" id="{A891641A-4E75-5B9A-AB2F-12B0871A340E}"/>
+              </a:ext>
+            </a:extLst>
+          </p:cNvPr>
+          <p:cNvSpPr>
+            <a:spLocks noGrp="1"/>
+          </p:cNvSpPr>
+          <p:nvPr>
+            <p:ph type="title"/>
+          </p:nvPr>
+        </p:nvSpPr>
+        <p:spPr/>
+        <p:txBody>
+          <a:bodyPr/>
+          <a:lstStyle/>
+          <a:p>
+            <a:r>
+              <a:rPr lang="en-US" dirty="0"/>
+              <a:t>MORE REBUS PUZZLES</a:t>
+            </a:r>
+          </a:p>
+        </p:txBody>
+      </p:sp>
+      <p:sp>
+        <p:nvSpPr>
+          <p:cNvPr id="3" name="Slide Number Placeholder 2">
+            <a:extLst>
+              <a:ext uri="{FF2B5EF4-FFF2-40B4-BE49-F238E27FC236}">
+                <a16:creationId xmlns:a16="http://schemas.microsoft.com/office/drawing/2014/main" id="{A3FBC08E-E3E6-594B-4FD9-647FCD8447ED}"/>
+              </a:ext>
+            </a:extLst>
+          </p:cNvPr>
+          <p:cNvSpPr>
+            <a:spLocks noGrp="1"/>
+          </p:cNvSpPr>
+          <p:nvPr>
+            <p:ph type="sldNum" sz="quarter" idx="12"/>
+          </p:nvPr>
+        </p:nvSpPr>
+        <p:spPr/>
+        <p:txBody>
+          <a:bodyPr/>
+          <a:lstStyle/>
+          <a:p>
+            <a:fld id="{48F63A3B-78C7-47BE-AE5E-E10140E04643}" type="slidenum">
+              <a:rPr lang="en-US" smtClean="0"/>
+              <a:pPr/>
+              <a:t>17</a:t>
+            </a:fld>
+            <a:endParaRPr lang="en-US"/>
+          </a:p>
+        </p:txBody>
+      </p:sp>
+      <p:sp>
+        <p:nvSpPr>
+          <p:cNvPr id="6" name="Content Placeholder 5">
+            <a:extLst>
+              <a:ext uri="{FF2B5EF4-FFF2-40B4-BE49-F238E27FC236}">
+                <a16:creationId xmlns:a16="http://schemas.microsoft.com/office/drawing/2014/main" id="{5C937224-6C0D-26D4-FEF0-13E31E1BE069}"/>
+              </a:ext>
+            </a:extLst>
+          </p:cNvPr>
+          <p:cNvSpPr txBox="1">
+            <a:spLocks/>
+          </p:cNvSpPr>
+          <p:nvPr/>
+        </p:nvSpPr>
+        <p:spPr>
+          <a:xfrm>
+            <a:off x="6094476" y="3429000"/>
+            <a:ext cx="10511627" cy="3948557"/>
+          </a:xfrm>
+          <a:prstGeom prst="rect">
+            <a:avLst/>
+          </a:prstGeom>
+        </p:spPr>
+        <p:txBody>
+          <a:bodyPr>
+            <a:normAutofit/>
+          </a:bodyPr>
+          <a:lstStyle>
+            <a:lvl1pPr marL="347472" indent="-347472" algn="l" defTabSz="914400" rtl="0" eaLnBrk="1" latinLnBrk="0" hangingPunct="1">
+              <a:lnSpc>
+                <a:spcPct val="100000"/>
+              </a:lnSpc>
+              <a:spcBef>
+                <a:spcPts val="360"/>
+              </a:spcBef>
+              <a:buFont typeface="Arial" panose="020B0604020202020204" pitchFamily="34" charset="0"/>
+              <a:buChar char="•"/>
+              <a:defRPr sz="2800" kern="1200">
+                <a:solidFill>
+                  <a:schemeClr val="accent6"/>
+                </a:solidFill>
+                <a:latin typeface="+mn-lt"/>
+                <a:ea typeface="+mn-ea"/>
+                <a:cs typeface="+mn-cs"/>
+              </a:defRPr>
+            </a:lvl1pPr>
+            <a:lvl2pPr marL="685800" indent="-347472" algn="l" defTabSz="914400" rtl="0" eaLnBrk="1" latinLnBrk="0" hangingPunct="1">
+              <a:lnSpc>
+                <a:spcPct val="100000"/>
+              </a:lnSpc>
+              <a:spcBef>
+                <a:spcPts val="360"/>
+              </a:spcBef>
+              <a:buFont typeface="Arial" panose="020B0604020202020204" pitchFamily="34" charset="0"/>
+              <a:buChar char="•"/>
+              <a:defRPr sz="2400" kern="1200">
+                <a:solidFill>
+                  <a:schemeClr val="accent6"/>
+                </a:solidFill>
+                <a:latin typeface="+mn-lt"/>
+                <a:ea typeface="+mn-ea"/>
+                <a:cs typeface="+mn-cs"/>
+              </a:defRPr>
+            </a:lvl2pPr>
+            <a:lvl3pPr marL="1143000" indent="-347472" algn="l" defTabSz="914400" rtl="0" eaLnBrk="1" latinLnBrk="0" hangingPunct="1">
+              <a:lnSpc>
+                <a:spcPct val="100000"/>
+              </a:lnSpc>
+              <a:spcBef>
+                <a:spcPts val="360"/>
+              </a:spcBef>
+              <a:buFont typeface="Arial" panose="020B0604020202020204" pitchFamily="34" charset="0"/>
+              <a:buChar char="•"/>
+              <a:defRPr sz="2000" kern="1200">
+                <a:solidFill>
+                  <a:schemeClr val="accent6"/>
+                </a:solidFill>
+                <a:latin typeface="+mn-lt"/>
+                <a:ea typeface="+mn-ea"/>
+                <a:cs typeface="+mn-cs"/>
+              </a:defRPr>
+            </a:lvl3pPr>
+            <a:lvl4pPr marL="1600200" indent="-347472" algn="l" defTabSz="914400" rtl="0" eaLnBrk="1" latinLnBrk="0" hangingPunct="1">
+              <a:lnSpc>
+                <a:spcPct val="100000"/>
+              </a:lnSpc>
+              <a:spcBef>
+                <a:spcPts val="360"/>
+              </a:spcBef>
+              <a:buFont typeface="Arial" panose="020B0604020202020204" pitchFamily="34" charset="0"/>
+              <a:buChar char="•"/>
+              <a:defRPr sz="1800" kern="1200">
+                <a:solidFill>
+                  <a:schemeClr val="accent6"/>
+                </a:solidFill>
+                <a:latin typeface="+mn-lt"/>
+                <a:ea typeface="+mn-ea"/>
+                <a:cs typeface="+mn-cs"/>
+              </a:defRPr>
+            </a:lvl4pPr>
+            <a:lvl5pPr marL="2057400" indent="-347472" algn="l" defTabSz="914400" rtl="0" eaLnBrk="1" latinLnBrk="0" hangingPunct="1">
+              <a:lnSpc>
+                <a:spcPct val="100000"/>
+              </a:lnSpc>
+              <a:spcBef>
+                <a:spcPts val="360"/>
+              </a:spcBef>
+              <a:buFont typeface="Arial" panose="020B0604020202020204" pitchFamily="34" charset="0"/>
+              <a:buChar char="•"/>
+              <a:defRPr sz="1800" kern="1200">
+                <a:solidFill>
+                  <a:schemeClr val="accent6"/>
+                </a:solidFill>
+                <a:latin typeface="+mn-lt"/>
+                <a:ea typeface="+mn-ea"/>
+                <a:cs typeface="+mn-cs"/>
+              </a:defRPr>
+            </a:lvl5pPr>
+            <a:lvl6pPr marL="2514600" indent="-228600" algn="l" defTabSz="914400" rtl="0" eaLnBrk="1" latinLnBrk="0" hangingPunct="1">
+              <a:lnSpc>
+                <a:spcPct val="90000"/>
+              </a:lnSpc>
+              <a:spcBef>
+                <a:spcPts val="500"/>
+              </a:spcBef>
+              <a:buFont typeface="Arial" panose="020B0604020202020204" pitchFamily="34" charset="0"/>
+              <a:buChar char="•"/>
+              <a:defRPr sz="1800" kern="1200">
+                <a:solidFill>
+                  <a:schemeClr val="tx1"/>
+                </a:solidFill>
+                <a:latin typeface="+mn-lt"/>
+                <a:ea typeface="+mn-ea"/>
+                <a:cs typeface="+mn-cs"/>
+              </a:defRPr>
+            </a:lvl6pPr>
+            <a:lvl7pPr marL="2971800" indent="-228600" algn="l" defTabSz="914400" rtl="0" eaLnBrk="1" latinLnBrk="0" hangingPunct="1">
+              <a:lnSpc>
+                <a:spcPct val="90000"/>
+              </a:lnSpc>
+              <a:spcBef>
+                <a:spcPts val="500"/>
+              </a:spcBef>
+              <a:buFont typeface="Arial" panose="020B0604020202020204" pitchFamily="34" charset="0"/>
+              <a:buChar char="•"/>
+              <a:defRPr sz="1800" kern="1200">
+                <a:solidFill>
+                  <a:schemeClr val="tx1"/>
+                </a:solidFill>
+                <a:latin typeface="+mn-lt"/>
+                <a:ea typeface="+mn-ea"/>
+                <a:cs typeface="+mn-cs"/>
+              </a:defRPr>
+            </a:lvl7pPr>
+            <a:lvl8pPr marL="3429000" indent="-228600" algn="l" defTabSz="914400" rtl="0" eaLnBrk="1" latinLnBrk="0" hangingPunct="1">
+              <a:lnSpc>
+                <a:spcPct val="90000"/>
+              </a:lnSpc>
+              <a:spcBef>
+                <a:spcPts val="500"/>
+              </a:spcBef>
+              <a:buFont typeface="Arial" panose="020B0604020202020204" pitchFamily="34" charset="0"/>
+              <a:buChar char="•"/>
+              <a:defRPr sz="1800" kern="1200">
+                <a:solidFill>
+                  <a:schemeClr val="tx1"/>
+                </a:solidFill>
+                <a:latin typeface="+mn-lt"/>
+                <a:ea typeface="+mn-ea"/>
+                <a:cs typeface="+mn-cs"/>
+              </a:defRPr>
+            </a:lvl8pPr>
+            <a:lvl9pPr marL="3886200" indent="-228600" algn="l" defTabSz="914400" rtl="0" eaLnBrk="1" latinLnBrk="0" hangingPunct="1">
+              <a:lnSpc>
+                <a:spcPct val="90000"/>
+              </a:lnSpc>
+              <a:spcBef>
+                <a:spcPts val="500"/>
+              </a:spcBef>
+              <a:buFont typeface="Arial" panose="020B0604020202020204" pitchFamily="34" charset="0"/>
+              <a:buChar char="•"/>
+              <a:defRPr sz="1800" kern="1200">
+                <a:solidFill>
+                  <a:schemeClr val="tx1"/>
+                </a:solidFill>
+                <a:latin typeface="+mn-lt"/>
+                <a:ea typeface="+mn-ea"/>
+                <a:cs typeface="+mn-cs"/>
+              </a:defRPr>
+            </a:lvl9pPr>
+          </a:lstStyle>
+          <a:p>
+            <a:pPr marL="0" indent="0">
+              <a:buNone/>
+            </a:pPr>
+            <a:r>
+              <a:rPr lang="en-US" sz="3600" b="1" dirty="0">
+                <a:solidFill>
+                  <a:srgbClr val="FF0000"/>
+                </a:solidFill>
+              </a:rPr>
+              <a:t>Answer: forty-two years!</a:t>
+            </a:r>
+          </a:p>
+        </p:txBody>
+      </p:sp>
+      <p:pic>
+        <p:nvPicPr>
+          <p:cNvPr id="8" name="Picture 7">
+            <a:extLst>
+              <a:ext uri="{FF2B5EF4-FFF2-40B4-BE49-F238E27FC236}">
+                <a16:creationId xmlns:a16="http://schemas.microsoft.com/office/drawing/2014/main" id="{16051AFC-6142-CC3B-9F93-57F3DEF70C0B}"/>
+              </a:ext>
+            </a:extLst>
+          </p:cNvPr>
+          <p:cNvPicPr>
+            <a:picLocks noChangeAspect="1"/>
+          </p:cNvPicPr>
+          <p:nvPr/>
+        </p:nvPicPr>
+        <p:blipFill>
+          <a:blip r:embed="rId2"/>
+          <a:stretch>
+            <a:fillRect/>
+          </a:stretch>
+        </p:blipFill>
+        <p:spPr>
+          <a:xfrm>
+            <a:off x="1685187" y="2521836"/>
+            <a:ext cx="3759460" cy="2600416"/>
+          </a:xfrm>
+          <a:prstGeom prst="rect">
+            <a:avLst/>
+          </a:prstGeom>
+        </p:spPr>
+      </p:pic>
+    </p:spTree>
+    <p:extLst>
+      <p:ext uri="{BB962C8B-B14F-4D97-AF65-F5344CB8AC3E}">
+        <p14:creationId xmlns:p14="http://schemas.microsoft.com/office/powerpoint/2010/main" val="4061042084"/>
+      </p:ext>
+    </p:extLst>
+  </p:cSld>
+  <p:clrMapOvr>
+    <a:masterClrMapping/>
+  </p:clrMapOvr>
+  <p:timing>
+    <p:tnLst>
+      <p:par>
+        <p:cTn id="1" dur="indefinite" restart="never" nodeType="tmRoot">
+          <p:childTnLst>
+            <p:seq concurrent="1" nextAc="seek">
+              <p:cTn id="2" dur="indefinite" nodeType="mainSeq">
+                <p:childTnLst>
+                  <p:par>
+                    <p:cTn id="3" fill="hold">
+                      <p:stCondLst>
+                        <p:cond delay="indefinite"/>
+                      </p:stCondLst>
+                      <p:childTnLst>
+                        <p:par>
+                          <p:cTn id="4" fill="hold">
+                            <p:stCondLst>
+                              <p:cond delay="0"/>
+                            </p:stCondLst>
+                            <p:childTnLst>
+                              <p:par>
+                                <p:cTn id="5" presetID="10" presetClass="entr" presetSubtype="0" fill="hold" grpId="0" nodeType="clickEffect">
+                                  <p:stCondLst>
+                                    <p:cond delay="0"/>
+                                  </p:stCondLst>
+                                  <p:childTnLst>
+                                    <p:set>
+                                      <p:cBhvr>
+                                        <p:cTn id="6" dur="1" fill="hold">
+                                          <p:stCondLst>
+                                            <p:cond delay="0"/>
+                                          </p:stCondLst>
+                                        </p:cTn>
+                                        <p:tgtEl>
+                                          <p:spTgt spid="6"/>
+                                        </p:tgtEl>
+                                        <p:attrNameLst>
+                                          <p:attrName>style.visibility</p:attrName>
+                                        </p:attrNameLst>
+                                      </p:cBhvr>
+                                      <p:to>
+                                        <p:strVal val="visible"/>
+                                      </p:to>
+                                    </p:set>
+                                    <p:animEffect transition="in" filter="fade">
+                                      <p:cBhvr>
+                                        <p:cTn id="7" dur="500"/>
+                                        <p:tgtEl>
+                                          <p:spTgt spid="6"/>
+                                        </p:tgtEl>
+                                      </p:cBhvr>
+                                    </p:animEffect>
+                                  </p:childTnLst>
+                                </p:cTn>
+                              </p:par>
+                            </p:childTnLst>
+                          </p:cTn>
+                        </p:par>
+                      </p:childTnLst>
+                    </p:cTn>
+                  </p:par>
+                </p:childTnLst>
+              </p:cTn>
+              <p:prevCondLst>
+                <p:cond evt="onPrev" delay="0">
+                  <p:tgtEl>
+                    <p:sldTgt/>
+                  </p:tgtEl>
+                </p:cond>
+              </p:prevCondLst>
+              <p:nextCondLst>
+                <p:cond evt="onNext" delay="0">
+                  <p:tgtEl>
+                    <p:sldTgt/>
+                  </p:tgtEl>
+                </p:cond>
+              </p:nextCondLst>
+            </p:seq>
+          </p:childTnLst>
+        </p:cTn>
+      </p:par>
+    </p:tnLst>
+    <p:bldLst>
+      <p:bldP spid="6" grpId="0"/>
+    </p:bldLst>
+  </p:timing>
+</p:sld>
+</file>
+
+<file path=ppt/slides/slide18.xml><?xml version="1.0" encoding="utf-8"?>
+<p:sld xmlns:a="http://schemas.openxmlformats.org/drawingml/2006/main" xmlns:r="http://schemas.openxmlformats.org/officeDocument/2006/relationships" xmlns:p="http://schemas.openxmlformats.org/presentationml/2006/main">
+  <p:cSld>
+    <p:spTree>
+      <p:nvGrpSpPr>
+        <p:cNvPr id="1" name="">
+          <a:extLst>
+            <a:ext uri="{FF2B5EF4-FFF2-40B4-BE49-F238E27FC236}">
+              <a16:creationId xmlns:a16="http://schemas.microsoft.com/office/drawing/2014/main" id="{F04F3AE8-35E6-040D-1B0C-4FC41199B6A8}"/>
+            </a:ext>
+          </a:extLst>
+        </p:cNvPr>
+        <p:cNvGrpSpPr/>
+        <p:nvPr/>
+      </p:nvGrpSpPr>
+      <p:grpSpPr>
+        <a:xfrm>
+          <a:off x="0" y="0"/>
+          <a:ext cx="0" cy="0"/>
+          <a:chOff x="0" y="0"/>
+          <a:chExt cx="0" cy="0"/>
+        </a:xfrm>
+      </p:grpSpPr>
+      <p:sp>
+        <p:nvSpPr>
+          <p:cNvPr id="2" name="Title 1">
+            <a:extLst>
+              <a:ext uri="{FF2B5EF4-FFF2-40B4-BE49-F238E27FC236}">
+                <a16:creationId xmlns:a16="http://schemas.microsoft.com/office/drawing/2014/main" id="{0E259CED-4318-83CB-47C5-6EA5238B7083}"/>
+              </a:ext>
+            </a:extLst>
+          </p:cNvPr>
+          <p:cNvSpPr>
+            <a:spLocks noGrp="1"/>
+          </p:cNvSpPr>
+          <p:nvPr>
+            <p:ph type="title"/>
+          </p:nvPr>
+        </p:nvSpPr>
+        <p:spPr/>
+        <p:txBody>
+          <a:bodyPr/>
+          <a:lstStyle/>
+          <a:p>
+            <a:r>
+              <a:rPr lang="en-US" dirty="0"/>
+              <a:t>MORE REBUS PUZZLES</a:t>
+            </a:r>
+          </a:p>
+        </p:txBody>
+      </p:sp>
+      <p:sp>
+        <p:nvSpPr>
+          <p:cNvPr id="3" name="Slide Number Placeholder 2">
+            <a:extLst>
+              <a:ext uri="{FF2B5EF4-FFF2-40B4-BE49-F238E27FC236}">
+                <a16:creationId xmlns:a16="http://schemas.microsoft.com/office/drawing/2014/main" id="{6B755F12-499C-F125-60EA-109F8DA91F3A}"/>
+              </a:ext>
+            </a:extLst>
+          </p:cNvPr>
+          <p:cNvSpPr>
+            <a:spLocks noGrp="1"/>
+          </p:cNvSpPr>
+          <p:nvPr>
+            <p:ph type="sldNum" sz="quarter" idx="12"/>
+          </p:nvPr>
+        </p:nvSpPr>
+        <p:spPr/>
+        <p:txBody>
+          <a:bodyPr/>
+          <a:lstStyle/>
+          <a:p>
+            <a:fld id="{48F63A3B-78C7-47BE-AE5E-E10140E04643}" type="slidenum">
+              <a:rPr lang="en-US" smtClean="0"/>
+              <a:pPr/>
+              <a:t>18</a:t>
+            </a:fld>
+            <a:endParaRPr lang="en-US"/>
+          </a:p>
+        </p:txBody>
+      </p:sp>
+      <p:sp>
+        <p:nvSpPr>
+          <p:cNvPr id="6" name="Content Placeholder 5">
+            <a:extLst>
+              <a:ext uri="{FF2B5EF4-FFF2-40B4-BE49-F238E27FC236}">
+                <a16:creationId xmlns:a16="http://schemas.microsoft.com/office/drawing/2014/main" id="{9F7CE211-509C-9C51-6FB2-CA4D50288250}"/>
+              </a:ext>
+            </a:extLst>
+          </p:cNvPr>
+          <p:cNvSpPr txBox="1">
+            <a:spLocks/>
+          </p:cNvSpPr>
+          <p:nvPr/>
+        </p:nvSpPr>
+        <p:spPr>
+          <a:xfrm>
+            <a:off x="6094476" y="3429000"/>
+            <a:ext cx="10511627" cy="3948557"/>
+          </a:xfrm>
+          <a:prstGeom prst="rect">
+            <a:avLst/>
+          </a:prstGeom>
+        </p:spPr>
+        <p:txBody>
+          <a:bodyPr>
+            <a:normAutofit/>
+          </a:bodyPr>
+          <a:lstStyle>
+            <a:lvl1pPr marL="347472" indent="-347472" algn="l" defTabSz="914400" rtl="0" eaLnBrk="1" latinLnBrk="0" hangingPunct="1">
+              <a:lnSpc>
+                <a:spcPct val="100000"/>
+              </a:lnSpc>
+              <a:spcBef>
+                <a:spcPts val="360"/>
+              </a:spcBef>
+              <a:buFont typeface="Arial" panose="020B0604020202020204" pitchFamily="34" charset="0"/>
+              <a:buChar char="•"/>
+              <a:defRPr sz="2800" kern="1200">
+                <a:solidFill>
+                  <a:schemeClr val="accent6"/>
+                </a:solidFill>
+                <a:latin typeface="+mn-lt"/>
+                <a:ea typeface="+mn-ea"/>
+                <a:cs typeface="+mn-cs"/>
+              </a:defRPr>
+            </a:lvl1pPr>
+            <a:lvl2pPr marL="685800" indent="-347472" algn="l" defTabSz="914400" rtl="0" eaLnBrk="1" latinLnBrk="0" hangingPunct="1">
+              <a:lnSpc>
+                <a:spcPct val="100000"/>
+              </a:lnSpc>
+              <a:spcBef>
+                <a:spcPts val="360"/>
+              </a:spcBef>
+              <a:buFont typeface="Arial" panose="020B0604020202020204" pitchFamily="34" charset="0"/>
+              <a:buChar char="•"/>
+              <a:defRPr sz="2400" kern="1200">
+                <a:solidFill>
+                  <a:schemeClr val="accent6"/>
+                </a:solidFill>
+                <a:latin typeface="+mn-lt"/>
+                <a:ea typeface="+mn-ea"/>
+                <a:cs typeface="+mn-cs"/>
+              </a:defRPr>
+            </a:lvl2pPr>
+            <a:lvl3pPr marL="1143000" indent="-347472" algn="l" defTabSz="914400" rtl="0" eaLnBrk="1" latinLnBrk="0" hangingPunct="1">
+              <a:lnSpc>
+                <a:spcPct val="100000"/>
+              </a:lnSpc>
+              <a:spcBef>
+                <a:spcPts val="360"/>
+              </a:spcBef>
+              <a:buFont typeface="Arial" panose="020B0604020202020204" pitchFamily="34" charset="0"/>
+              <a:buChar char="•"/>
+              <a:defRPr sz="2000" kern="1200">
+                <a:solidFill>
+                  <a:schemeClr val="accent6"/>
+                </a:solidFill>
+                <a:latin typeface="+mn-lt"/>
+                <a:ea typeface="+mn-ea"/>
+                <a:cs typeface="+mn-cs"/>
+              </a:defRPr>
+            </a:lvl3pPr>
+            <a:lvl4pPr marL="1600200" indent="-347472" algn="l" defTabSz="914400" rtl="0" eaLnBrk="1" latinLnBrk="0" hangingPunct="1">
+              <a:lnSpc>
+                <a:spcPct val="100000"/>
+              </a:lnSpc>
+              <a:spcBef>
+                <a:spcPts val="360"/>
+              </a:spcBef>
+              <a:buFont typeface="Arial" panose="020B0604020202020204" pitchFamily="34" charset="0"/>
+              <a:buChar char="•"/>
+              <a:defRPr sz="1800" kern="1200">
+                <a:solidFill>
+                  <a:schemeClr val="accent6"/>
+                </a:solidFill>
+                <a:latin typeface="+mn-lt"/>
+                <a:ea typeface="+mn-ea"/>
+                <a:cs typeface="+mn-cs"/>
+              </a:defRPr>
+            </a:lvl4pPr>
+            <a:lvl5pPr marL="2057400" indent="-347472" algn="l" defTabSz="914400" rtl="0" eaLnBrk="1" latinLnBrk="0" hangingPunct="1">
+              <a:lnSpc>
+                <a:spcPct val="100000"/>
+              </a:lnSpc>
+              <a:spcBef>
+                <a:spcPts val="360"/>
+              </a:spcBef>
+              <a:buFont typeface="Arial" panose="020B0604020202020204" pitchFamily="34" charset="0"/>
+              <a:buChar char="•"/>
+              <a:defRPr sz="1800" kern="1200">
+                <a:solidFill>
+                  <a:schemeClr val="accent6"/>
+                </a:solidFill>
+                <a:latin typeface="+mn-lt"/>
+                <a:ea typeface="+mn-ea"/>
+                <a:cs typeface="+mn-cs"/>
+              </a:defRPr>
+            </a:lvl5pPr>
+            <a:lvl6pPr marL="2514600" indent="-228600" algn="l" defTabSz="914400" rtl="0" eaLnBrk="1" latinLnBrk="0" hangingPunct="1">
+              <a:lnSpc>
+                <a:spcPct val="90000"/>
+              </a:lnSpc>
+              <a:spcBef>
+                <a:spcPts val="500"/>
+              </a:spcBef>
+              <a:buFont typeface="Arial" panose="020B0604020202020204" pitchFamily="34" charset="0"/>
+              <a:buChar char="•"/>
+              <a:defRPr sz="1800" kern="1200">
+                <a:solidFill>
+                  <a:schemeClr val="tx1"/>
+                </a:solidFill>
+                <a:latin typeface="+mn-lt"/>
+                <a:ea typeface="+mn-ea"/>
+                <a:cs typeface="+mn-cs"/>
+              </a:defRPr>
+            </a:lvl6pPr>
+            <a:lvl7pPr marL="2971800" indent="-228600" algn="l" defTabSz="914400" rtl="0" eaLnBrk="1" latinLnBrk="0" hangingPunct="1">
+              <a:lnSpc>
+                <a:spcPct val="90000"/>
+              </a:lnSpc>
+              <a:spcBef>
+                <a:spcPts val="500"/>
+              </a:spcBef>
+              <a:buFont typeface="Arial" panose="020B0604020202020204" pitchFamily="34" charset="0"/>
+              <a:buChar char="•"/>
+              <a:defRPr sz="1800" kern="1200">
+                <a:solidFill>
+                  <a:schemeClr val="tx1"/>
+                </a:solidFill>
+                <a:latin typeface="+mn-lt"/>
+                <a:ea typeface="+mn-ea"/>
+                <a:cs typeface="+mn-cs"/>
+              </a:defRPr>
+            </a:lvl7pPr>
+            <a:lvl8pPr marL="3429000" indent="-228600" algn="l" defTabSz="914400" rtl="0" eaLnBrk="1" latinLnBrk="0" hangingPunct="1">
+              <a:lnSpc>
+                <a:spcPct val="90000"/>
+              </a:lnSpc>
+              <a:spcBef>
+                <a:spcPts val="500"/>
+              </a:spcBef>
+              <a:buFont typeface="Arial" panose="020B0604020202020204" pitchFamily="34" charset="0"/>
+              <a:buChar char="•"/>
+              <a:defRPr sz="1800" kern="1200">
+                <a:solidFill>
+                  <a:schemeClr val="tx1"/>
+                </a:solidFill>
+                <a:latin typeface="+mn-lt"/>
+                <a:ea typeface="+mn-ea"/>
+                <a:cs typeface="+mn-cs"/>
+              </a:defRPr>
+            </a:lvl8pPr>
+            <a:lvl9pPr marL="3886200" indent="-228600" algn="l" defTabSz="914400" rtl="0" eaLnBrk="1" latinLnBrk="0" hangingPunct="1">
+              <a:lnSpc>
+                <a:spcPct val="90000"/>
+              </a:lnSpc>
+              <a:spcBef>
+                <a:spcPts val="500"/>
+              </a:spcBef>
+              <a:buFont typeface="Arial" panose="020B0604020202020204" pitchFamily="34" charset="0"/>
+              <a:buChar char="•"/>
+              <a:defRPr sz="1800" kern="1200">
+                <a:solidFill>
+                  <a:schemeClr val="tx1"/>
+                </a:solidFill>
+                <a:latin typeface="+mn-lt"/>
+                <a:ea typeface="+mn-ea"/>
+                <a:cs typeface="+mn-cs"/>
+              </a:defRPr>
+            </a:lvl9pPr>
+          </a:lstStyle>
+          <a:p>
+            <a:pPr marL="0" indent="0">
+              <a:buNone/>
+            </a:pPr>
+            <a:r>
+              <a:rPr lang="en-US" sz="3600" b="1" dirty="0">
+                <a:solidFill>
+                  <a:srgbClr val="FF0000"/>
+                </a:solidFill>
+              </a:rPr>
+              <a:t>Answer: broken promise!</a:t>
+            </a:r>
+          </a:p>
+        </p:txBody>
+      </p:sp>
+      <p:pic>
+        <p:nvPicPr>
+          <p:cNvPr id="5" name="Picture 4">
+            <a:extLst>
+              <a:ext uri="{FF2B5EF4-FFF2-40B4-BE49-F238E27FC236}">
+                <a16:creationId xmlns:a16="http://schemas.microsoft.com/office/drawing/2014/main" id="{2450D24E-8FB5-99D2-D342-BACEB2950E6D}"/>
+              </a:ext>
+            </a:extLst>
+          </p:cNvPr>
+          <p:cNvPicPr>
+            <a:picLocks noChangeAspect="1"/>
+          </p:cNvPicPr>
+          <p:nvPr/>
+        </p:nvPicPr>
+        <p:blipFill>
+          <a:blip r:embed="rId2"/>
+          <a:stretch>
+            <a:fillRect/>
+          </a:stretch>
+        </p:blipFill>
+        <p:spPr>
+          <a:xfrm>
+            <a:off x="1151314" y="2536489"/>
+            <a:ext cx="4259929" cy="2307462"/>
+          </a:xfrm>
+          <a:prstGeom prst="rect">
+            <a:avLst/>
+          </a:prstGeom>
+        </p:spPr>
+      </p:pic>
+    </p:spTree>
+    <p:extLst>
+      <p:ext uri="{BB962C8B-B14F-4D97-AF65-F5344CB8AC3E}">
+        <p14:creationId xmlns:p14="http://schemas.microsoft.com/office/powerpoint/2010/main" val="892798549"/>
+      </p:ext>
+    </p:extLst>
+  </p:cSld>
+  <p:clrMapOvr>
+    <a:masterClrMapping/>
+  </p:clrMapOvr>
+  <p:timing>
+    <p:tnLst>
+      <p:par>
+        <p:cTn id="1" dur="indefinite" restart="never" nodeType="tmRoot">
+          <p:childTnLst>
+            <p:seq concurrent="1" nextAc="seek">
+              <p:cTn id="2" dur="indefinite" nodeType="mainSeq">
+                <p:childTnLst>
+                  <p:par>
+                    <p:cTn id="3" fill="hold">
+                      <p:stCondLst>
+                        <p:cond delay="indefinite"/>
+                      </p:stCondLst>
+                      <p:childTnLst>
+                        <p:par>
+                          <p:cTn id="4" fill="hold">
+                            <p:stCondLst>
+                              <p:cond delay="0"/>
+                            </p:stCondLst>
+                            <p:childTnLst>
+                              <p:par>
+                                <p:cTn id="5" presetID="10" presetClass="entr" presetSubtype="0" fill="hold" grpId="0" nodeType="clickEffect">
+                                  <p:stCondLst>
+                                    <p:cond delay="0"/>
+                                  </p:stCondLst>
+                                  <p:childTnLst>
+                                    <p:set>
+                                      <p:cBhvr>
+                                        <p:cTn id="6" dur="1" fill="hold">
+                                          <p:stCondLst>
+                                            <p:cond delay="0"/>
+                                          </p:stCondLst>
+                                        </p:cTn>
+                                        <p:tgtEl>
+                                          <p:spTgt spid="6"/>
+                                        </p:tgtEl>
+                                        <p:attrNameLst>
+                                          <p:attrName>style.visibility</p:attrName>
+                                        </p:attrNameLst>
+                                      </p:cBhvr>
+                                      <p:to>
+                                        <p:strVal val="visible"/>
+                                      </p:to>
+                                    </p:set>
+                                    <p:animEffect transition="in" filter="fade">
+                                      <p:cBhvr>
+                                        <p:cTn id="7" dur="500"/>
+                                        <p:tgtEl>
+                                          <p:spTgt spid="6"/>
+                                        </p:tgtEl>
+                                      </p:cBhvr>
+                                    </p:animEffect>
+                                  </p:childTnLst>
+                                </p:cTn>
+                              </p:par>
+                            </p:childTnLst>
+                          </p:cTn>
+                        </p:par>
+                      </p:childTnLst>
+                    </p:cTn>
+                  </p:par>
+                </p:childTnLst>
+              </p:cTn>
+              <p:prevCondLst>
+                <p:cond evt="onPrev" delay="0">
+                  <p:tgtEl>
+                    <p:sldTgt/>
+                  </p:tgtEl>
+                </p:cond>
+              </p:prevCondLst>
+              <p:nextCondLst>
+                <p:cond evt="onNext" delay="0">
+                  <p:tgtEl>
+                    <p:sldTgt/>
+                  </p:tgtEl>
+                </p:cond>
+              </p:nextCondLst>
+            </p:seq>
+          </p:childTnLst>
+        </p:cTn>
+      </p:par>
+    </p:tnLst>
+    <p:bldLst>
+      <p:bldP spid="6" grpId="0"/>
+    </p:bldLst>
+  </p:timing>
+</p:sld>
+</file>
+
+<file path=ppt/slides/slide19.xml><?xml version="1.0" encoding="utf-8"?>
 <p:sld xmlns:a="http://schemas.openxmlformats.org/drawingml/2006/main" xmlns:r="http://schemas.openxmlformats.org/officeDocument/2006/relationships" xmlns:p="http://schemas.openxmlformats.org/presentationml/2006/main">
   <p:cSld>
     <p:spTree>
@@ -18679,6 +21779,33 @@
               <a:t>Can work independently on in pairs </a:t>
             </a:r>
           </a:p>
+          <a:p>
+            <a:pPr marL="457200" indent="-457200">
+              <a:buAutoNum type="arabicPeriod"/>
+            </a:pPr>
+            <a:r>
+              <a:rPr lang="en-US" sz="2000" dirty="0"/>
+              <a:t>Remix the project </a:t>
+            </a:r>
+          </a:p>
+          <a:p>
+            <a:pPr marL="457200" indent="-457200">
+              <a:buAutoNum type="arabicPeriod"/>
+            </a:pPr>
+            <a:r>
+              <a:rPr lang="en-US" sz="2000" dirty="0"/>
+              <a:t>Add a sprite</a:t>
+            </a:r>
+          </a:p>
+          <a:p>
+            <a:pPr marL="457200" indent="-457200">
+              <a:buAutoNum type="arabicPeriod"/>
+            </a:pPr>
+            <a:r>
+              <a:rPr lang="en-US" sz="2000" dirty="0"/>
+              <a:t>Use “switch costume” and “go to this position” and “wait _ seconds” to make it dance!</a:t>
+            </a:r>
+          </a:p>
         </p:txBody>
       </p:sp>
       <p:sp>
@@ -18710,80 +21837,46 @@
             <a:fld id="{48F63A3B-78C7-47BE-AE5E-E10140E04643}" type="slidenum">
               <a:rPr lang="en-US" smtClean="0"/>
               <a:pPr/>
-              <a:t>13</a:t>
+              <a:t>19</a:t>
             </a:fld>
             <a:endParaRPr lang="en-US"/>
           </a:p>
         </p:txBody>
       </p:sp>
+      <p:pic>
+        <p:nvPicPr>
+          <p:cNvPr id="3" name="Picture 2">
+            <a:extLst>
+              <a:ext uri="{FF2B5EF4-FFF2-40B4-BE49-F238E27FC236}">
+                <a16:creationId xmlns:a16="http://schemas.microsoft.com/office/drawing/2014/main" id="{D45E07DF-BFE5-2A4C-B330-913EFF8E4023}"/>
+              </a:ext>
+            </a:extLst>
+          </p:cNvPr>
+          <p:cNvPicPr>
+            <a:picLocks noChangeAspect="1"/>
+          </p:cNvPicPr>
+          <p:nvPr/>
+        </p:nvPicPr>
+        <p:blipFill>
+          <a:blip r:embed="rId4"/>
+          <a:stretch>
+            <a:fillRect/>
+          </a:stretch>
+        </p:blipFill>
+        <p:spPr>
+          <a:xfrm>
+            <a:off x="4114904" y="3599607"/>
+            <a:ext cx="1747277" cy="868344"/>
+          </a:xfrm>
+          <a:prstGeom prst="rect">
+            <a:avLst/>
+          </a:prstGeom>
+        </p:spPr>
+      </p:pic>
     </p:spTree>
     <p:extLst>
       <p:ext uri="{BB962C8B-B14F-4D97-AF65-F5344CB8AC3E}">
         <p14:creationId xmlns:p14="http://schemas.microsoft.com/office/powerpoint/2010/main" val="3969996159"/>
-      </p:ext>
-    </p:extLst>
-  </p:cSld>
-  <p:clrMapOvr>
-    <a:masterClrMapping/>
-  </p:clrMapOvr>
-</p:sld>
-</file>
-
-<file path=ppt/slides/slide14.xml><?xml version="1.0" encoding="utf-8"?>
-<p:sld xmlns:a="http://schemas.openxmlformats.org/drawingml/2006/main" xmlns:r="http://schemas.openxmlformats.org/officeDocument/2006/relationships" xmlns:p="http://schemas.openxmlformats.org/presentationml/2006/main">
-  <p:cSld>
-    <p:spTree>
-      <p:nvGrpSpPr>
-        <p:cNvPr id="1" name="">
-          <a:extLst>
-            <a:ext uri="{FF2B5EF4-FFF2-40B4-BE49-F238E27FC236}">
-              <a16:creationId xmlns:a16="http://schemas.microsoft.com/office/drawing/2014/main" id="{527D5117-8206-B44E-6957-1CDEBECBBE2B}"/>
-            </a:ext>
-          </a:extLst>
-        </p:cNvPr>
-        <p:cNvGrpSpPr/>
-        <p:nvPr/>
-      </p:nvGrpSpPr>
-      <p:grpSpPr>
-        <a:xfrm>
-          <a:off x="0" y="0"/>
-          <a:ext cx="0" cy="0"/>
-          <a:chOff x="0" y="0"/>
-          <a:chExt cx="0" cy="0"/>
-        </a:xfrm>
-      </p:grpSpPr>
-      <p:sp>
-        <p:nvSpPr>
-          <p:cNvPr id="2" name="Title 1">
-            <a:extLst>
-              <a:ext uri="{FF2B5EF4-FFF2-40B4-BE49-F238E27FC236}">
-                <a16:creationId xmlns:a16="http://schemas.microsoft.com/office/drawing/2014/main" id="{963C3D46-BADE-DBC1-3234-949E24DF5946}"/>
-              </a:ext>
-            </a:extLst>
-          </p:cNvPr>
-          <p:cNvSpPr>
-            <a:spLocks noGrp="1"/>
-          </p:cNvSpPr>
-          <p:nvPr>
-            <p:ph type="ctrTitle"/>
-          </p:nvPr>
-        </p:nvSpPr>
-        <p:spPr/>
-        <p:txBody>
-          <a:bodyPr/>
-          <a:lstStyle/>
-          <a:p>
-            <a:r>
-              <a:rPr lang="en-US" sz="4800" dirty="0"/>
-              <a:t>Reflect and journal</a:t>
-            </a:r>
-          </a:p>
-        </p:txBody>
-      </p:sp>
-    </p:spTree>
-    <p:extLst>
-      <p:ext uri="{BB962C8B-B14F-4D97-AF65-F5344CB8AC3E}">
-        <p14:creationId xmlns:p14="http://schemas.microsoft.com/office/powerpoint/2010/main" val="1377273353"/>
       </p:ext>
     </p:extLst>
   </p:cSld>
@@ -18937,6 +22030,864 @@
     <p:extLst>
       <p:ext uri="{BB962C8B-B14F-4D97-AF65-F5344CB8AC3E}">
         <p14:creationId xmlns:p14="http://schemas.microsoft.com/office/powerpoint/2010/main" val="2952923800"/>
+      </p:ext>
+    </p:extLst>
+  </p:cSld>
+  <p:clrMapOvr>
+    <a:masterClrMapping/>
+  </p:clrMapOvr>
+</p:sld>
+</file>
+
+<file path=ppt/slides/slide20.xml><?xml version="1.0" encoding="utf-8"?>
+<p:sld xmlns:a="http://schemas.openxmlformats.org/drawingml/2006/main" xmlns:r="http://schemas.openxmlformats.org/officeDocument/2006/relationships" xmlns:p="http://schemas.openxmlformats.org/presentationml/2006/main">
+  <p:cSld>
+    <p:spTree>
+      <p:nvGrpSpPr>
+        <p:cNvPr id="1" name=""/>
+        <p:cNvGrpSpPr/>
+        <p:nvPr/>
+      </p:nvGrpSpPr>
+      <p:grpSpPr>
+        <a:xfrm>
+          <a:off x="0" y="0"/>
+          <a:ext cx="0" cy="0"/>
+          <a:chOff x="0" y="0"/>
+          <a:chExt cx="0" cy="0"/>
+        </a:xfrm>
+      </p:grpSpPr>
+      <p:sp>
+        <p:nvSpPr>
+          <p:cNvPr id="2" name="Title 1">
+            <a:extLst>
+              <a:ext uri="{FF2B5EF4-FFF2-40B4-BE49-F238E27FC236}">
+                <a16:creationId xmlns:a16="http://schemas.microsoft.com/office/drawing/2014/main" id="{DE8B5DF1-A3A7-C694-52D4-0E3FA7204C70}"/>
+              </a:ext>
+            </a:extLst>
+          </p:cNvPr>
+          <p:cNvSpPr>
+            <a:spLocks noGrp="1"/>
+          </p:cNvSpPr>
+          <p:nvPr>
+            <p:ph type="title"/>
+          </p:nvPr>
+        </p:nvSpPr>
+        <p:spPr/>
+        <p:txBody>
+          <a:bodyPr/>
+          <a:lstStyle/>
+          <a:p>
+            <a:r>
+              <a:rPr lang="en-US" dirty="0"/>
+              <a:t>MAKING A SPRITE “WALK”</a:t>
+            </a:r>
+          </a:p>
+        </p:txBody>
+      </p:sp>
+      <p:sp>
+        <p:nvSpPr>
+          <p:cNvPr id="3" name="Text Placeholder 2">
+            <a:extLst>
+              <a:ext uri="{FF2B5EF4-FFF2-40B4-BE49-F238E27FC236}">
+                <a16:creationId xmlns:a16="http://schemas.microsoft.com/office/drawing/2014/main" id="{57BBE4B3-AEBA-66C5-5A95-3E542094F40D}"/>
+              </a:ext>
+            </a:extLst>
+          </p:cNvPr>
+          <p:cNvSpPr>
+            <a:spLocks noGrp="1"/>
+          </p:cNvSpPr>
+          <p:nvPr>
+            <p:ph type="body" sz="quarter" idx="13"/>
+          </p:nvPr>
+        </p:nvSpPr>
+        <p:spPr>
+          <a:xfrm>
+            <a:off x="1550564" y="2331958"/>
+            <a:ext cx="5576746" cy="3704266"/>
+          </a:xfrm>
+        </p:spPr>
+        <p:txBody>
+          <a:bodyPr/>
+          <a:lstStyle/>
+          <a:p>
+            <a:r>
+              <a:rPr lang="en-US" dirty="0">
+                <a:hlinkClick r:id="rId3"/>
+              </a:rPr>
+              <a:t>Walk Cycle on Scratch</a:t>
+            </a:r>
+            <a:endParaRPr lang="en-US" dirty="0"/>
+          </a:p>
+          <a:p>
+            <a:pPr marL="342900" indent="-342900">
+              <a:buAutoNum type="arabicPeriod"/>
+            </a:pPr>
+            <a:r>
+              <a:rPr lang="en-US" dirty="0"/>
+              <a:t>Remix the project</a:t>
+            </a:r>
+          </a:p>
+          <a:p>
+            <a:pPr marL="342900" indent="-342900">
+              <a:buAutoNum type="arabicPeriod"/>
+            </a:pPr>
+            <a:r>
+              <a:rPr lang="en-US" dirty="0"/>
+              <a:t>Click “choose a sprite”</a:t>
+            </a:r>
+          </a:p>
+          <a:p>
+            <a:pPr marL="342900" indent="-342900">
+              <a:buAutoNum type="arabicPeriod"/>
+            </a:pPr>
+            <a:r>
+              <a:rPr lang="en-US" dirty="0"/>
+              <a:t>Select a sprite that looks like it is walking/flying</a:t>
+            </a:r>
+          </a:p>
+          <a:p>
+            <a:pPr marL="342900" indent="-342900">
+              <a:buAutoNum type="arabicPeriod"/>
+            </a:pPr>
+            <a:r>
+              <a:rPr lang="en-US" dirty="0"/>
+              <a:t>Add the sprite</a:t>
+            </a:r>
+          </a:p>
+          <a:p>
+            <a:pPr marL="342900" indent="-342900">
+              <a:buAutoNum type="arabicPeriod"/>
+            </a:pPr>
+            <a:r>
+              <a:rPr lang="en-US" dirty="0"/>
+              <a:t>Recreate this code </a:t>
+            </a:r>
+            <a:r>
+              <a:rPr lang="en-US" dirty="0">
+                <a:sym typeface="Wingdings" panose="05000000000000000000" pitchFamily="2" charset="2"/>
+              </a:rPr>
+              <a:t> and experiment with the numbers!</a:t>
+            </a:r>
+            <a:endParaRPr lang="en-US" dirty="0"/>
+          </a:p>
+          <a:p>
+            <a:pPr marL="342900" indent="-342900">
+              <a:buAutoNum type="arabicPeriod"/>
+            </a:pPr>
+            <a:endParaRPr lang="en-US" dirty="0"/>
+          </a:p>
+        </p:txBody>
+      </p:sp>
+      <p:sp>
+        <p:nvSpPr>
+          <p:cNvPr id="5" name="Slide Number Placeholder 4">
+            <a:extLst>
+              <a:ext uri="{FF2B5EF4-FFF2-40B4-BE49-F238E27FC236}">
+                <a16:creationId xmlns:a16="http://schemas.microsoft.com/office/drawing/2014/main" id="{43405EC9-6706-031A-F607-88878A2DC5A1}"/>
+              </a:ext>
+            </a:extLst>
+          </p:cNvPr>
+          <p:cNvSpPr>
+            <a:spLocks noGrp="1"/>
+          </p:cNvSpPr>
+          <p:nvPr>
+            <p:ph type="sldNum" sz="quarter" idx="10"/>
+          </p:nvPr>
+        </p:nvSpPr>
+        <p:spPr/>
+        <p:txBody>
+          <a:bodyPr/>
+          <a:lstStyle/>
+          <a:p>
+            <a:fld id="{48F63A3B-78C7-47BE-AE5E-E10140E04643}" type="slidenum">
+              <a:rPr lang="en-US" smtClean="0"/>
+              <a:pPr/>
+              <a:t>20</a:t>
+            </a:fld>
+            <a:endParaRPr lang="en-US"/>
+          </a:p>
+        </p:txBody>
+      </p:sp>
+      <p:pic>
+        <p:nvPicPr>
+          <p:cNvPr id="7" name="Picture 6">
+            <a:extLst>
+              <a:ext uri="{FF2B5EF4-FFF2-40B4-BE49-F238E27FC236}">
+                <a16:creationId xmlns:a16="http://schemas.microsoft.com/office/drawing/2014/main" id="{50819E97-763A-7D15-6C2C-7CD6CBB90913}"/>
+              </a:ext>
+            </a:extLst>
+          </p:cNvPr>
+          <p:cNvPicPr>
+            <a:picLocks noChangeAspect="1"/>
+          </p:cNvPicPr>
+          <p:nvPr/>
+        </p:nvPicPr>
+        <p:blipFill>
+          <a:blip r:embed="rId4"/>
+          <a:stretch>
+            <a:fillRect/>
+          </a:stretch>
+        </p:blipFill>
+        <p:spPr>
+          <a:xfrm>
+            <a:off x="4173970" y="2263472"/>
+            <a:ext cx="1747277" cy="868344"/>
+          </a:xfrm>
+          <a:prstGeom prst="rect">
+            <a:avLst/>
+          </a:prstGeom>
+        </p:spPr>
+      </p:pic>
+      <p:pic>
+        <p:nvPicPr>
+          <p:cNvPr id="9" name="Picture 8">
+            <a:extLst>
+              <a:ext uri="{FF2B5EF4-FFF2-40B4-BE49-F238E27FC236}">
+                <a16:creationId xmlns:a16="http://schemas.microsoft.com/office/drawing/2014/main" id="{5DE975A7-AE6C-D294-4861-5E388A4E4AA1}"/>
+              </a:ext>
+            </a:extLst>
+          </p:cNvPr>
+          <p:cNvPicPr>
+            <a:picLocks noChangeAspect="1"/>
+          </p:cNvPicPr>
+          <p:nvPr/>
+        </p:nvPicPr>
+        <p:blipFill>
+          <a:blip r:embed="rId5"/>
+          <a:stretch>
+            <a:fillRect/>
+          </a:stretch>
+        </p:blipFill>
+        <p:spPr>
+          <a:xfrm>
+            <a:off x="4412575" y="2963431"/>
+            <a:ext cx="635033" cy="558829"/>
+          </a:xfrm>
+          <a:prstGeom prst="rect">
+            <a:avLst/>
+          </a:prstGeom>
+        </p:spPr>
+      </p:pic>
+      <p:pic>
+        <p:nvPicPr>
+          <p:cNvPr id="11" name="Picture 10">
+            <a:extLst>
+              <a:ext uri="{FF2B5EF4-FFF2-40B4-BE49-F238E27FC236}">
+                <a16:creationId xmlns:a16="http://schemas.microsoft.com/office/drawing/2014/main" id="{BAD45682-A59D-2642-1247-D393291A4B9E}"/>
+              </a:ext>
+            </a:extLst>
+          </p:cNvPr>
+          <p:cNvPicPr>
+            <a:picLocks noChangeAspect="1"/>
+          </p:cNvPicPr>
+          <p:nvPr/>
+        </p:nvPicPr>
+        <p:blipFill>
+          <a:blip r:embed="rId6"/>
+          <a:stretch>
+            <a:fillRect/>
+          </a:stretch>
+        </p:blipFill>
+        <p:spPr>
+          <a:xfrm>
+            <a:off x="6776218" y="2127809"/>
+            <a:ext cx="5303048" cy="4357543"/>
+          </a:xfrm>
+          <a:prstGeom prst="rect">
+            <a:avLst/>
+          </a:prstGeom>
+        </p:spPr>
+      </p:pic>
+    </p:spTree>
+    <p:extLst>
+      <p:ext uri="{BB962C8B-B14F-4D97-AF65-F5344CB8AC3E}">
+        <p14:creationId xmlns:p14="http://schemas.microsoft.com/office/powerpoint/2010/main" val="4178065621"/>
+      </p:ext>
+    </p:extLst>
+  </p:cSld>
+  <p:clrMapOvr>
+    <a:masterClrMapping/>
+  </p:clrMapOvr>
+  <p:timing>
+    <p:tnLst>
+      <p:par>
+        <p:cTn id="1" dur="indefinite" restart="never" nodeType="tmRoot">
+          <p:childTnLst>
+            <p:seq concurrent="1" nextAc="seek">
+              <p:cTn id="2" dur="indefinite" nodeType="mainSeq">
+                <p:childTnLst>
+                  <p:par>
+                    <p:cTn id="3" fill="hold">
+                      <p:stCondLst>
+                        <p:cond delay="indefinite"/>
+                      </p:stCondLst>
+                      <p:childTnLst>
+                        <p:par>
+                          <p:cTn id="4" fill="hold">
+                            <p:stCondLst>
+                              <p:cond delay="0"/>
+                            </p:stCondLst>
+                            <p:childTnLst>
+                              <p:par>
+                                <p:cTn id="5" presetID="10" presetClass="entr" presetSubtype="0" fill="hold" grpId="0" nodeType="clickEffect">
+                                  <p:stCondLst>
+                                    <p:cond delay="0"/>
+                                  </p:stCondLst>
+                                  <p:childTnLst>
+                                    <p:set>
+                                      <p:cBhvr>
+                                        <p:cTn id="6" dur="1" fill="hold">
+                                          <p:stCondLst>
+                                            <p:cond delay="0"/>
+                                          </p:stCondLst>
+                                        </p:cTn>
+                                        <p:tgtEl>
+                                          <p:spTgt spid="3">
+                                            <p:txEl>
+                                              <p:pRg st="0" end="0"/>
+                                            </p:txEl>
+                                          </p:spTgt>
+                                        </p:tgtEl>
+                                        <p:attrNameLst>
+                                          <p:attrName>style.visibility</p:attrName>
+                                        </p:attrNameLst>
+                                      </p:cBhvr>
+                                      <p:to>
+                                        <p:strVal val="visible"/>
+                                      </p:to>
+                                    </p:set>
+                                    <p:animEffect transition="in" filter="fade">
+                                      <p:cBhvr>
+                                        <p:cTn id="7" dur="500"/>
+                                        <p:tgtEl>
+                                          <p:spTgt spid="3">
+                                            <p:txEl>
+                                              <p:pRg st="0" end="0"/>
+                                            </p:txEl>
+                                          </p:spTgt>
+                                        </p:tgtEl>
+                                      </p:cBhvr>
+                                    </p:animEffect>
+                                  </p:childTnLst>
+                                </p:cTn>
+                              </p:par>
+                            </p:childTnLst>
+                          </p:cTn>
+                        </p:par>
+                      </p:childTnLst>
+                    </p:cTn>
+                  </p:par>
+                  <p:par>
+                    <p:cTn id="8" fill="hold">
+                      <p:stCondLst>
+                        <p:cond delay="indefinite"/>
+                      </p:stCondLst>
+                      <p:childTnLst>
+                        <p:par>
+                          <p:cTn id="9" fill="hold">
+                            <p:stCondLst>
+                              <p:cond delay="0"/>
+                            </p:stCondLst>
+                            <p:childTnLst>
+                              <p:par>
+                                <p:cTn id="10" presetID="10" presetClass="entr" presetSubtype="0" fill="hold" grpId="0" nodeType="clickEffect">
+                                  <p:stCondLst>
+                                    <p:cond delay="0"/>
+                                  </p:stCondLst>
+                                  <p:childTnLst>
+                                    <p:set>
+                                      <p:cBhvr>
+                                        <p:cTn id="11" dur="1" fill="hold">
+                                          <p:stCondLst>
+                                            <p:cond delay="0"/>
+                                          </p:stCondLst>
+                                        </p:cTn>
+                                        <p:tgtEl>
+                                          <p:spTgt spid="3">
+                                            <p:txEl>
+                                              <p:pRg st="1" end="1"/>
+                                            </p:txEl>
+                                          </p:spTgt>
+                                        </p:tgtEl>
+                                        <p:attrNameLst>
+                                          <p:attrName>style.visibility</p:attrName>
+                                        </p:attrNameLst>
+                                      </p:cBhvr>
+                                      <p:to>
+                                        <p:strVal val="visible"/>
+                                      </p:to>
+                                    </p:set>
+                                    <p:animEffect transition="in" filter="fade">
+                                      <p:cBhvr>
+                                        <p:cTn id="12" dur="500"/>
+                                        <p:tgtEl>
+                                          <p:spTgt spid="3">
+                                            <p:txEl>
+                                              <p:pRg st="1" end="1"/>
+                                            </p:txEl>
+                                          </p:spTgt>
+                                        </p:tgtEl>
+                                      </p:cBhvr>
+                                    </p:animEffect>
+                                  </p:childTnLst>
+                                </p:cTn>
+                              </p:par>
+                              <p:par>
+                                <p:cTn id="13" presetID="10" presetClass="entr" presetSubtype="0" fill="hold" nodeType="withEffect">
+                                  <p:stCondLst>
+                                    <p:cond delay="0"/>
+                                  </p:stCondLst>
+                                  <p:childTnLst>
+                                    <p:set>
+                                      <p:cBhvr>
+                                        <p:cTn id="14" dur="1" fill="hold">
+                                          <p:stCondLst>
+                                            <p:cond delay="0"/>
+                                          </p:stCondLst>
+                                        </p:cTn>
+                                        <p:tgtEl>
+                                          <p:spTgt spid="7"/>
+                                        </p:tgtEl>
+                                        <p:attrNameLst>
+                                          <p:attrName>style.visibility</p:attrName>
+                                        </p:attrNameLst>
+                                      </p:cBhvr>
+                                      <p:to>
+                                        <p:strVal val="visible"/>
+                                      </p:to>
+                                    </p:set>
+                                    <p:animEffect transition="in" filter="fade">
+                                      <p:cBhvr>
+                                        <p:cTn id="15" dur="500"/>
+                                        <p:tgtEl>
+                                          <p:spTgt spid="7"/>
+                                        </p:tgtEl>
+                                      </p:cBhvr>
+                                    </p:animEffect>
+                                  </p:childTnLst>
+                                </p:cTn>
+                              </p:par>
+                            </p:childTnLst>
+                          </p:cTn>
+                        </p:par>
+                      </p:childTnLst>
+                    </p:cTn>
+                  </p:par>
+                  <p:par>
+                    <p:cTn id="16" fill="hold">
+                      <p:stCondLst>
+                        <p:cond delay="indefinite"/>
+                      </p:stCondLst>
+                      <p:childTnLst>
+                        <p:par>
+                          <p:cTn id="17" fill="hold">
+                            <p:stCondLst>
+                              <p:cond delay="0"/>
+                            </p:stCondLst>
+                            <p:childTnLst>
+                              <p:par>
+                                <p:cTn id="18" presetID="10" presetClass="entr" presetSubtype="0" fill="hold" grpId="0" nodeType="clickEffect">
+                                  <p:stCondLst>
+                                    <p:cond delay="0"/>
+                                  </p:stCondLst>
+                                  <p:childTnLst>
+                                    <p:set>
+                                      <p:cBhvr>
+                                        <p:cTn id="19" dur="1" fill="hold">
+                                          <p:stCondLst>
+                                            <p:cond delay="0"/>
+                                          </p:stCondLst>
+                                        </p:cTn>
+                                        <p:tgtEl>
+                                          <p:spTgt spid="3">
+                                            <p:txEl>
+                                              <p:pRg st="2" end="2"/>
+                                            </p:txEl>
+                                          </p:spTgt>
+                                        </p:tgtEl>
+                                        <p:attrNameLst>
+                                          <p:attrName>style.visibility</p:attrName>
+                                        </p:attrNameLst>
+                                      </p:cBhvr>
+                                      <p:to>
+                                        <p:strVal val="visible"/>
+                                      </p:to>
+                                    </p:set>
+                                    <p:animEffect transition="in" filter="fade">
+                                      <p:cBhvr>
+                                        <p:cTn id="20" dur="500"/>
+                                        <p:tgtEl>
+                                          <p:spTgt spid="3">
+                                            <p:txEl>
+                                              <p:pRg st="2" end="2"/>
+                                            </p:txEl>
+                                          </p:spTgt>
+                                        </p:tgtEl>
+                                      </p:cBhvr>
+                                    </p:animEffect>
+                                  </p:childTnLst>
+                                </p:cTn>
+                              </p:par>
+                              <p:par>
+                                <p:cTn id="21" presetID="10" presetClass="entr" presetSubtype="0" fill="hold" nodeType="withEffect">
+                                  <p:stCondLst>
+                                    <p:cond delay="0"/>
+                                  </p:stCondLst>
+                                  <p:childTnLst>
+                                    <p:set>
+                                      <p:cBhvr>
+                                        <p:cTn id="22" dur="1" fill="hold">
+                                          <p:stCondLst>
+                                            <p:cond delay="0"/>
+                                          </p:stCondLst>
+                                        </p:cTn>
+                                        <p:tgtEl>
+                                          <p:spTgt spid="9"/>
+                                        </p:tgtEl>
+                                        <p:attrNameLst>
+                                          <p:attrName>style.visibility</p:attrName>
+                                        </p:attrNameLst>
+                                      </p:cBhvr>
+                                      <p:to>
+                                        <p:strVal val="visible"/>
+                                      </p:to>
+                                    </p:set>
+                                    <p:animEffect transition="in" filter="fade">
+                                      <p:cBhvr>
+                                        <p:cTn id="23" dur="500"/>
+                                        <p:tgtEl>
+                                          <p:spTgt spid="9"/>
+                                        </p:tgtEl>
+                                      </p:cBhvr>
+                                    </p:animEffect>
+                                  </p:childTnLst>
+                                </p:cTn>
+                              </p:par>
+                            </p:childTnLst>
+                          </p:cTn>
+                        </p:par>
+                      </p:childTnLst>
+                    </p:cTn>
+                  </p:par>
+                  <p:par>
+                    <p:cTn id="24" fill="hold">
+                      <p:stCondLst>
+                        <p:cond delay="indefinite"/>
+                      </p:stCondLst>
+                      <p:childTnLst>
+                        <p:par>
+                          <p:cTn id="25" fill="hold">
+                            <p:stCondLst>
+                              <p:cond delay="0"/>
+                            </p:stCondLst>
+                            <p:childTnLst>
+                              <p:par>
+                                <p:cTn id="26" presetID="10" presetClass="entr" presetSubtype="0" fill="hold" grpId="0" nodeType="clickEffect">
+                                  <p:stCondLst>
+                                    <p:cond delay="0"/>
+                                  </p:stCondLst>
+                                  <p:childTnLst>
+                                    <p:set>
+                                      <p:cBhvr>
+                                        <p:cTn id="27" dur="1" fill="hold">
+                                          <p:stCondLst>
+                                            <p:cond delay="0"/>
+                                          </p:stCondLst>
+                                        </p:cTn>
+                                        <p:tgtEl>
+                                          <p:spTgt spid="3">
+                                            <p:txEl>
+                                              <p:pRg st="3" end="3"/>
+                                            </p:txEl>
+                                          </p:spTgt>
+                                        </p:tgtEl>
+                                        <p:attrNameLst>
+                                          <p:attrName>style.visibility</p:attrName>
+                                        </p:attrNameLst>
+                                      </p:cBhvr>
+                                      <p:to>
+                                        <p:strVal val="visible"/>
+                                      </p:to>
+                                    </p:set>
+                                    <p:animEffect transition="in" filter="fade">
+                                      <p:cBhvr>
+                                        <p:cTn id="28" dur="500"/>
+                                        <p:tgtEl>
+                                          <p:spTgt spid="3">
+                                            <p:txEl>
+                                              <p:pRg st="3" end="3"/>
+                                            </p:txEl>
+                                          </p:spTgt>
+                                        </p:tgtEl>
+                                      </p:cBhvr>
+                                    </p:animEffect>
+                                  </p:childTnLst>
+                                </p:cTn>
+                              </p:par>
+                            </p:childTnLst>
+                          </p:cTn>
+                        </p:par>
+                      </p:childTnLst>
+                    </p:cTn>
+                  </p:par>
+                  <p:par>
+                    <p:cTn id="29" fill="hold">
+                      <p:stCondLst>
+                        <p:cond delay="indefinite"/>
+                      </p:stCondLst>
+                      <p:childTnLst>
+                        <p:par>
+                          <p:cTn id="30" fill="hold">
+                            <p:stCondLst>
+                              <p:cond delay="0"/>
+                            </p:stCondLst>
+                            <p:childTnLst>
+                              <p:par>
+                                <p:cTn id="31" presetID="10" presetClass="entr" presetSubtype="0" fill="hold" grpId="0" nodeType="clickEffect">
+                                  <p:stCondLst>
+                                    <p:cond delay="0"/>
+                                  </p:stCondLst>
+                                  <p:childTnLst>
+                                    <p:set>
+                                      <p:cBhvr>
+                                        <p:cTn id="32" dur="1" fill="hold">
+                                          <p:stCondLst>
+                                            <p:cond delay="0"/>
+                                          </p:stCondLst>
+                                        </p:cTn>
+                                        <p:tgtEl>
+                                          <p:spTgt spid="3">
+                                            <p:txEl>
+                                              <p:pRg st="4" end="4"/>
+                                            </p:txEl>
+                                          </p:spTgt>
+                                        </p:tgtEl>
+                                        <p:attrNameLst>
+                                          <p:attrName>style.visibility</p:attrName>
+                                        </p:attrNameLst>
+                                      </p:cBhvr>
+                                      <p:to>
+                                        <p:strVal val="visible"/>
+                                      </p:to>
+                                    </p:set>
+                                    <p:animEffect transition="in" filter="fade">
+                                      <p:cBhvr>
+                                        <p:cTn id="33" dur="500"/>
+                                        <p:tgtEl>
+                                          <p:spTgt spid="3">
+                                            <p:txEl>
+                                              <p:pRg st="4" end="4"/>
+                                            </p:txEl>
+                                          </p:spTgt>
+                                        </p:tgtEl>
+                                      </p:cBhvr>
+                                    </p:animEffect>
+                                  </p:childTnLst>
+                                </p:cTn>
+                              </p:par>
+                            </p:childTnLst>
+                          </p:cTn>
+                        </p:par>
+                      </p:childTnLst>
+                    </p:cTn>
+                  </p:par>
+                  <p:par>
+                    <p:cTn id="34" fill="hold">
+                      <p:stCondLst>
+                        <p:cond delay="indefinite"/>
+                      </p:stCondLst>
+                      <p:childTnLst>
+                        <p:par>
+                          <p:cTn id="35" fill="hold">
+                            <p:stCondLst>
+                              <p:cond delay="0"/>
+                            </p:stCondLst>
+                            <p:childTnLst>
+                              <p:par>
+                                <p:cTn id="36" presetID="10" presetClass="entr" presetSubtype="0" fill="hold" grpId="0" nodeType="clickEffect">
+                                  <p:stCondLst>
+                                    <p:cond delay="0"/>
+                                  </p:stCondLst>
+                                  <p:childTnLst>
+                                    <p:set>
+                                      <p:cBhvr>
+                                        <p:cTn id="37" dur="1" fill="hold">
+                                          <p:stCondLst>
+                                            <p:cond delay="0"/>
+                                          </p:stCondLst>
+                                        </p:cTn>
+                                        <p:tgtEl>
+                                          <p:spTgt spid="3">
+                                            <p:txEl>
+                                              <p:pRg st="5" end="5"/>
+                                            </p:txEl>
+                                          </p:spTgt>
+                                        </p:tgtEl>
+                                        <p:attrNameLst>
+                                          <p:attrName>style.visibility</p:attrName>
+                                        </p:attrNameLst>
+                                      </p:cBhvr>
+                                      <p:to>
+                                        <p:strVal val="visible"/>
+                                      </p:to>
+                                    </p:set>
+                                    <p:animEffect transition="in" filter="fade">
+                                      <p:cBhvr>
+                                        <p:cTn id="38" dur="500"/>
+                                        <p:tgtEl>
+                                          <p:spTgt spid="3">
+                                            <p:txEl>
+                                              <p:pRg st="5" end="5"/>
+                                            </p:txEl>
+                                          </p:spTgt>
+                                        </p:tgtEl>
+                                      </p:cBhvr>
+                                    </p:animEffect>
+                                  </p:childTnLst>
+                                </p:cTn>
+                              </p:par>
+                            </p:childTnLst>
+                          </p:cTn>
+                        </p:par>
+                      </p:childTnLst>
+                    </p:cTn>
+                  </p:par>
+                  <p:par>
+                    <p:cTn id="39" fill="hold">
+                      <p:stCondLst>
+                        <p:cond delay="indefinite"/>
+                      </p:stCondLst>
+                      <p:childTnLst>
+                        <p:par>
+                          <p:cTn id="40" fill="hold">
+                            <p:stCondLst>
+                              <p:cond delay="0"/>
+                            </p:stCondLst>
+                            <p:childTnLst>
+                              <p:par>
+                                <p:cTn id="41" presetID="10" presetClass="entr" presetSubtype="0" fill="hold" nodeType="clickEffect">
+                                  <p:stCondLst>
+                                    <p:cond delay="0"/>
+                                  </p:stCondLst>
+                                  <p:childTnLst>
+                                    <p:set>
+                                      <p:cBhvr>
+                                        <p:cTn id="42" dur="1" fill="hold">
+                                          <p:stCondLst>
+                                            <p:cond delay="0"/>
+                                          </p:stCondLst>
+                                        </p:cTn>
+                                        <p:tgtEl>
+                                          <p:spTgt spid="11"/>
+                                        </p:tgtEl>
+                                        <p:attrNameLst>
+                                          <p:attrName>style.visibility</p:attrName>
+                                        </p:attrNameLst>
+                                      </p:cBhvr>
+                                      <p:to>
+                                        <p:strVal val="visible"/>
+                                      </p:to>
+                                    </p:set>
+                                    <p:animEffect transition="in" filter="fade">
+                                      <p:cBhvr>
+                                        <p:cTn id="43" dur="500"/>
+                                        <p:tgtEl>
+                                          <p:spTgt spid="11"/>
+                                        </p:tgtEl>
+                                      </p:cBhvr>
+                                    </p:animEffect>
+                                  </p:childTnLst>
+                                </p:cTn>
+                              </p:par>
+                            </p:childTnLst>
+                          </p:cTn>
+                        </p:par>
+                      </p:childTnLst>
+                    </p:cTn>
+                  </p:par>
+                </p:childTnLst>
+              </p:cTn>
+              <p:prevCondLst>
+                <p:cond evt="onPrev" delay="0">
+                  <p:tgtEl>
+                    <p:sldTgt/>
+                  </p:tgtEl>
+                </p:cond>
+              </p:prevCondLst>
+              <p:nextCondLst>
+                <p:cond evt="onNext" delay="0">
+                  <p:tgtEl>
+                    <p:sldTgt/>
+                  </p:tgtEl>
+                </p:cond>
+              </p:nextCondLst>
+            </p:seq>
+          </p:childTnLst>
+        </p:cTn>
+      </p:par>
+    </p:tnLst>
+    <p:bldLst>
+      <p:bldP spid="3" grpId="0" uiExpand="1" build="p"/>
+    </p:bldLst>
+  </p:timing>
+</p:sld>
+</file>
+
+<file path=ppt/slides/slide21.xml><?xml version="1.0" encoding="utf-8"?>
+<p:sld xmlns:a="http://schemas.openxmlformats.org/drawingml/2006/main" xmlns:r="http://schemas.openxmlformats.org/officeDocument/2006/relationships" xmlns:p="http://schemas.openxmlformats.org/presentationml/2006/main">
+  <p:cSld>
+    <p:spTree>
+      <p:nvGrpSpPr>
+        <p:cNvPr id="1" name="">
+          <a:extLst>
+            <a:ext uri="{FF2B5EF4-FFF2-40B4-BE49-F238E27FC236}">
+              <a16:creationId xmlns:a16="http://schemas.microsoft.com/office/drawing/2014/main" id="{527D5117-8206-B44E-6957-1CDEBECBBE2B}"/>
+            </a:ext>
+          </a:extLst>
+        </p:cNvPr>
+        <p:cNvGrpSpPr/>
+        <p:nvPr/>
+      </p:nvGrpSpPr>
+      <p:grpSpPr>
+        <a:xfrm>
+          <a:off x="0" y="0"/>
+          <a:ext cx="0" cy="0"/>
+          <a:chOff x="0" y="0"/>
+          <a:chExt cx="0" cy="0"/>
+        </a:xfrm>
+      </p:grpSpPr>
+      <p:sp>
+        <p:nvSpPr>
+          <p:cNvPr id="2" name="Title 1">
+            <a:extLst>
+              <a:ext uri="{FF2B5EF4-FFF2-40B4-BE49-F238E27FC236}">
+                <a16:creationId xmlns:a16="http://schemas.microsoft.com/office/drawing/2014/main" id="{963C3D46-BADE-DBC1-3234-949E24DF5946}"/>
+              </a:ext>
+            </a:extLst>
+          </p:cNvPr>
+          <p:cNvSpPr>
+            <a:spLocks noGrp="1"/>
+          </p:cNvSpPr>
+          <p:nvPr>
+            <p:ph type="ctrTitle"/>
+          </p:nvPr>
+        </p:nvSpPr>
+        <p:spPr/>
+        <p:txBody>
+          <a:bodyPr/>
+          <a:lstStyle/>
+          <a:p>
+            <a:r>
+              <a:rPr lang="en-US" sz="4800" dirty="0"/>
+              <a:t>Reflect and journal</a:t>
+            </a:r>
+          </a:p>
+        </p:txBody>
+      </p:sp>
+    </p:spTree>
+    <p:extLst>
+      <p:ext uri="{BB962C8B-B14F-4D97-AF65-F5344CB8AC3E}">
+        <p14:creationId xmlns:p14="http://schemas.microsoft.com/office/powerpoint/2010/main" val="1377273353"/>
       </p:ext>
     </p:extLst>
   </p:cSld>
@@ -19644,7 +23595,7 @@
                   <a:srgbClr val="FFFF00"/>
                 </a:highlight>
               </a:rPr>
-              <a:t>7. Enter email address – if you don’t have one, enter your parents email!</a:t>
+              <a:t>7. Enter email address – if you don’t have one, let us know!</a:t>
             </a:r>
           </a:p>
         </p:txBody>
@@ -19928,64 +23879,6 @@
   <p:cSld>
     <p:spTree>
       <p:nvGrpSpPr>
-        <p:cNvPr id="1" name=""/>
-        <p:cNvGrpSpPr/>
-        <p:nvPr/>
-      </p:nvGrpSpPr>
-      <p:grpSpPr>
-        <a:xfrm>
-          <a:off x="0" y="0"/>
-          <a:ext cx="0" cy="0"/>
-          <a:chOff x="0" y="0"/>
-          <a:chExt cx="0" cy="0"/>
-        </a:xfrm>
-      </p:grpSpPr>
-      <p:sp>
-        <p:nvSpPr>
-          <p:cNvPr id="2" name="Title 1">
-            <a:extLst>
-              <a:ext uri="{FF2B5EF4-FFF2-40B4-BE49-F238E27FC236}">
-                <a16:creationId xmlns:a16="http://schemas.microsoft.com/office/drawing/2014/main" id="{494797E8-7698-6C3E-8717-EF99030E6146}"/>
-              </a:ext>
-            </a:extLst>
-          </p:cNvPr>
-          <p:cNvSpPr>
-            <a:spLocks noGrp="1"/>
-          </p:cNvSpPr>
-          <p:nvPr>
-            <p:ph type="ctrTitle"/>
-          </p:nvPr>
-        </p:nvSpPr>
-        <p:spPr/>
-        <p:txBody>
-          <a:bodyPr/>
-          <a:lstStyle/>
-          <a:p>
-            <a:r>
-              <a:rPr lang="en-US" sz="4800" dirty="0"/>
-              <a:t>Break</a:t>
-            </a:r>
-          </a:p>
-        </p:txBody>
-      </p:sp>
-    </p:spTree>
-    <p:extLst>
-      <p:ext uri="{BB962C8B-B14F-4D97-AF65-F5344CB8AC3E}">
-        <p14:creationId xmlns:p14="http://schemas.microsoft.com/office/powerpoint/2010/main" val="2941746032"/>
-      </p:ext>
-    </p:extLst>
-  </p:cSld>
-  <p:clrMapOvr>
-    <a:masterClrMapping/>
-  </p:clrMapOvr>
-</p:sld>
-</file>
-
-<file path=ppt/slides/slide8.xml><?xml version="1.0" encoding="utf-8"?>
-<p:sld xmlns:a="http://schemas.openxmlformats.org/drawingml/2006/main" xmlns:r="http://schemas.openxmlformats.org/officeDocument/2006/relationships" xmlns:p="http://schemas.openxmlformats.org/presentationml/2006/main">
-  <p:cSld>
-    <p:spTree>
-      <p:nvGrpSpPr>
         <p:cNvPr id="1" name="">
           <a:extLst>
             <a:ext uri="{FF2B5EF4-FFF2-40B4-BE49-F238E27FC236}">
@@ -20061,7 +23954,7 @@
             <a:fld id="{48F63A3B-78C7-47BE-AE5E-E10140E04643}" type="slidenum">
               <a:rPr lang="en-US" smtClean="0"/>
               <a:pPr/>
-              <a:t>8</a:t>
+              <a:t>7</a:t>
             </a:fld>
             <a:endParaRPr lang="en-US"/>
           </a:p>
@@ -20080,7 +23973,7 @@
 </p:sld>
 </file>
 
-<file path=ppt/slides/slide9.xml><?xml version="1.0" encoding="utf-8"?>
+<file path=ppt/slides/slide8.xml><?xml version="1.0" encoding="utf-8"?>
 <p:sld xmlns:a="http://schemas.openxmlformats.org/drawingml/2006/main" xmlns:r="http://schemas.openxmlformats.org/officeDocument/2006/relationships" xmlns:p="http://schemas.openxmlformats.org/presentationml/2006/main">
   <p:cSld>
     <p:spTree>
@@ -20165,7 +24058,7 @@
             <a:fld id="{48F63A3B-78C7-47BE-AE5E-E10140E04643}" type="slidenum">
               <a:rPr lang="en-US" smtClean="0"/>
               <a:pPr/>
-              <a:t>9</a:t>
+              <a:t>8</a:t>
             </a:fld>
             <a:endParaRPr lang="en-US"/>
           </a:p>
@@ -20211,16 +24104,13 @@
           <a:p>
             <a:r>
               <a:rPr lang="en-US" dirty="0"/>
-              <a:t>Try drawing your own sprite! </a:t>
+              <a:t>What are the different options when making a sprite?</a:t>
             </a:r>
-          </a:p>
-          <a:p>
-            <a:endParaRPr lang="en-US" dirty="0"/>
           </a:p>
           <a:p>
             <a:r>
               <a:rPr lang="en-US" dirty="0"/>
-              <a:t>If you finish early, trying making it move around!</a:t>
+              <a:t>Try choosing one, and then try drawing your own sprite! </a:t>
             </a:r>
           </a:p>
           <a:p>
@@ -20296,6 +24186,213 @@
     <p:extLst>
       <p:ext uri="{BB962C8B-B14F-4D97-AF65-F5344CB8AC3E}">
         <p14:creationId xmlns:p14="http://schemas.microsoft.com/office/powerpoint/2010/main" val="470177726"/>
+      </p:ext>
+    </p:extLst>
+  </p:cSld>
+  <p:clrMapOvr>
+    <a:masterClrMapping/>
+  </p:clrMapOvr>
+</p:sld>
+</file>
+
+<file path=ppt/slides/slide9.xml><?xml version="1.0" encoding="utf-8"?>
+<p:sld xmlns:a="http://schemas.openxmlformats.org/drawingml/2006/main" xmlns:r="http://schemas.openxmlformats.org/officeDocument/2006/relationships" xmlns:p="http://schemas.openxmlformats.org/presentationml/2006/main">
+  <p:cSld>
+    <p:spTree>
+      <p:nvGrpSpPr>
+        <p:cNvPr id="1" name="">
+          <a:extLst>
+            <a:ext uri="{FF2B5EF4-FFF2-40B4-BE49-F238E27FC236}">
+              <a16:creationId xmlns:a16="http://schemas.microsoft.com/office/drawing/2014/main" id="{4F292CA5-1DA2-BA7C-F6E4-1F1D95DD6A95}"/>
+            </a:ext>
+          </a:extLst>
+        </p:cNvPr>
+        <p:cNvGrpSpPr/>
+        <p:nvPr/>
+      </p:nvGrpSpPr>
+      <p:grpSpPr>
+        <a:xfrm>
+          <a:off x="0" y="0"/>
+          <a:ext cx="0" cy="0"/>
+          <a:chOff x="0" y="0"/>
+          <a:chExt cx="0" cy="0"/>
+        </a:xfrm>
+      </p:grpSpPr>
+      <p:sp>
+        <p:nvSpPr>
+          <p:cNvPr id="3" name="Title 2">
+            <a:extLst>
+              <a:ext uri="{FF2B5EF4-FFF2-40B4-BE49-F238E27FC236}">
+                <a16:creationId xmlns:a16="http://schemas.microsoft.com/office/drawing/2014/main" id="{EF2720DC-D632-B835-5CEA-DCAD7517258F}"/>
+              </a:ext>
+            </a:extLst>
+          </p:cNvPr>
+          <p:cNvSpPr>
+            <a:spLocks noGrp="1"/>
+          </p:cNvSpPr>
+          <p:nvPr>
+            <p:ph type="title"/>
+          </p:nvPr>
+        </p:nvSpPr>
+        <p:spPr>
+          <a:xfrm>
+            <a:off x="914400" y="1057274"/>
+            <a:ext cx="7843837" cy="1012782"/>
+          </a:xfrm>
+        </p:spPr>
+        <p:txBody>
+          <a:bodyPr/>
+          <a:lstStyle/>
+          <a:p>
+            <a:r>
+              <a:rPr lang="en-US" dirty="0"/>
+              <a:t>MAKE THE SPRITE MOVE</a:t>
+            </a:r>
+          </a:p>
+        </p:txBody>
+      </p:sp>
+      <p:sp>
+        <p:nvSpPr>
+          <p:cNvPr id="2" name="Slide Number Placeholder 1">
+            <a:extLst>
+              <a:ext uri="{FF2B5EF4-FFF2-40B4-BE49-F238E27FC236}">
+                <a16:creationId xmlns:a16="http://schemas.microsoft.com/office/drawing/2014/main" id="{58A97F71-B8B6-1DE7-E2F6-D9E8CC783EBF}"/>
+              </a:ext>
+            </a:extLst>
+          </p:cNvPr>
+          <p:cNvSpPr>
+            <a:spLocks noGrp="1"/>
+          </p:cNvSpPr>
+          <p:nvPr>
+            <p:ph type="sldNum" sz="quarter" idx="10"/>
+          </p:nvPr>
+        </p:nvSpPr>
+        <p:spPr>
+          <a:xfrm>
+            <a:off x="10438475" y="457199"/>
+            <a:ext cx="987552" cy="471489"/>
+          </a:xfrm>
+        </p:spPr>
+        <p:txBody>
+          <a:bodyPr/>
+          <a:lstStyle/>
+          <a:p>
+            <a:fld id="{48F63A3B-78C7-47BE-AE5E-E10140E04643}" type="slidenum">
+              <a:rPr lang="en-US" smtClean="0"/>
+              <a:pPr/>
+              <a:t>9</a:t>
+            </a:fld>
+            <a:endParaRPr lang="en-US" dirty="0"/>
+          </a:p>
+        </p:txBody>
+      </p:sp>
+      <p:sp>
+        <p:nvSpPr>
+          <p:cNvPr id="6" name="Content Placeholder 5">
+            <a:extLst>
+              <a:ext uri="{FF2B5EF4-FFF2-40B4-BE49-F238E27FC236}">
+                <a16:creationId xmlns:a16="http://schemas.microsoft.com/office/drawing/2014/main" id="{580E3CA3-81C1-DAF3-391C-CB85C3C670FA}"/>
+              </a:ext>
+            </a:extLst>
+          </p:cNvPr>
+          <p:cNvSpPr>
+            <a:spLocks noGrp="1"/>
+          </p:cNvSpPr>
+          <p:nvPr>
+            <p:ph idx="13"/>
+          </p:nvPr>
+        </p:nvSpPr>
+        <p:spPr>
+          <a:xfrm>
+            <a:off x="914400" y="2331791"/>
+            <a:ext cx="6464968" cy="3721817"/>
+          </a:xfrm>
+        </p:spPr>
+        <p:txBody>
+          <a:bodyPr/>
+          <a:lstStyle/>
+          <a:p>
+            <a:r>
+              <a:rPr lang="en-US" dirty="0"/>
+              <a:t>Click “tutorials” at the top of the screen.</a:t>
+            </a:r>
+          </a:p>
+          <a:p>
+            <a:endParaRPr lang="en-US" dirty="0"/>
+          </a:p>
+          <a:p>
+            <a:r>
+              <a:rPr lang="en-US" dirty="0"/>
+              <a:t>Click the “use arrow keys” tutorial.</a:t>
+            </a:r>
+          </a:p>
+        </p:txBody>
+      </p:sp>
+      <p:pic>
+        <p:nvPicPr>
+          <p:cNvPr id="5" name="Picture 4">
+            <a:extLst>
+              <a:ext uri="{FF2B5EF4-FFF2-40B4-BE49-F238E27FC236}">
+                <a16:creationId xmlns:a16="http://schemas.microsoft.com/office/drawing/2014/main" id="{F2CB37A6-F95A-21E5-B042-1AA4700A2147}"/>
+              </a:ext>
+            </a:extLst>
+          </p:cNvPr>
+          <p:cNvPicPr>
+            <a:picLocks noChangeAspect="1"/>
+          </p:cNvPicPr>
+          <p:nvPr/>
+        </p:nvPicPr>
+        <p:blipFill>
+          <a:blip r:embed="rId3"/>
+          <a:srcRect l="6395" t="22262" r="-6395" b="-22262"/>
+          <a:stretch>
+            <a:fillRect/>
+          </a:stretch>
+        </p:blipFill>
+        <p:spPr>
+          <a:xfrm>
+            <a:off x="6302137" y="2184740"/>
+            <a:ext cx="2154461" cy="1012781"/>
+          </a:xfrm>
+          <a:prstGeom prst="rect">
+            <a:avLst/>
+          </a:prstGeom>
+        </p:spPr>
+      </p:pic>
+      <p:pic>
+        <p:nvPicPr>
+          <p:cNvPr id="8" name="Picture 7">
+            <a:extLst>
+              <a:ext uri="{FF2B5EF4-FFF2-40B4-BE49-F238E27FC236}">
+                <a16:creationId xmlns:a16="http://schemas.microsoft.com/office/drawing/2014/main" id="{D09BC33A-35C3-5E43-C93C-24CE84067DFA}"/>
+              </a:ext>
+            </a:extLst>
+          </p:cNvPr>
+          <p:cNvPicPr>
+            <a:picLocks noChangeAspect="1"/>
+          </p:cNvPicPr>
+          <p:nvPr/>
+        </p:nvPicPr>
+        <p:blipFill>
+          <a:blip r:embed="rId4"/>
+          <a:stretch>
+            <a:fillRect/>
+          </a:stretch>
+        </p:blipFill>
+        <p:spPr>
+          <a:xfrm>
+            <a:off x="2215044" y="3629194"/>
+            <a:ext cx="2870523" cy="2194221"/>
+          </a:xfrm>
+          <a:prstGeom prst="rect">
+            <a:avLst/>
+          </a:prstGeom>
+        </p:spPr>
+      </p:pic>
+    </p:spTree>
+    <p:extLst>
+      <p:ext uri="{BB962C8B-B14F-4D97-AF65-F5344CB8AC3E}">
+        <p14:creationId xmlns:p14="http://schemas.microsoft.com/office/powerpoint/2010/main" val="923793465"/>
       </p:ext>
     </p:extLst>
   </p:cSld>
@@ -21448,18 +25545,18 @@
 <file path=customXml/itemProps2.xml><?xml version="1.0" encoding="utf-8"?>
 <ds:datastoreItem xmlns:ds="http://schemas.openxmlformats.org/officeDocument/2006/customXml" ds:itemID="{BA719FA4-954C-4FA8-82CB-206659C3B826}">
   <ds:schemaRefs>
-    <ds:schemaRef ds:uri="71af3243-3dd4-4a8d-8c0d-dd76da1f02a5"/>
+    <ds:schemaRef ds:uri="16c05727-aa75-4e4a-9b5f-8a80a1165891"/>
     <ds:schemaRef ds:uri="http://schemas.microsoft.com/office/2006/documentManagement/types"/>
     <ds:schemaRef ds:uri="http://purl.org/dc/terms/"/>
+    <ds:schemaRef ds:uri="http://schemas.microsoft.com/office/2006/metadata/properties"/>
+    <ds:schemaRef ds:uri="230e9df3-be65-4c73-a93b-d1236ebd677e"/>
+    <ds:schemaRef ds:uri="http://schemas.openxmlformats.org/package/2006/metadata/core-properties"/>
+    <ds:schemaRef ds:uri="http://schemas.microsoft.com/sharepoint/v3"/>
+    <ds:schemaRef ds:uri="http://purl.org/dc/dcmitype/"/>
+    <ds:schemaRef ds:uri="71af3243-3dd4-4a8d-8c0d-dd76da1f02a5"/>
+    <ds:schemaRef ds:uri="http://schemas.microsoft.com/office/infopath/2007/PartnerControls"/>
+    <ds:schemaRef ds:uri="http://www.w3.org/XML/1998/namespace"/>
     <ds:schemaRef ds:uri="http://purl.org/dc/elements/1.1/"/>
-    <ds:schemaRef ds:uri="16c05727-aa75-4e4a-9b5f-8a80a1165891"/>
-    <ds:schemaRef ds:uri="http://schemas.openxmlformats.org/package/2006/metadata/core-properties"/>
-    <ds:schemaRef ds:uri="http://purl.org/dc/dcmitype/"/>
-    <ds:schemaRef ds:uri="230e9df3-be65-4c73-a93b-d1236ebd677e"/>
-    <ds:schemaRef ds:uri="http://schemas.microsoft.com/office/infopath/2007/PartnerControls"/>
-    <ds:schemaRef ds:uri="http://schemas.microsoft.com/sharepoint/v3"/>
-    <ds:schemaRef ds:uri="http://schemas.microsoft.com/office/2006/metadata/properties"/>
-    <ds:schemaRef ds:uri="http://www.w3.org/XML/1998/namespace"/>
   </ds:schemaRefs>
 </ds:datastoreItem>
 </file>
